--- a/WebservicesWebiner.pptx
+++ b/WebservicesWebiner.pptx
@@ -16,16 +16,18 @@
     <p:sldId id="264" r:id="rId10"/>
     <p:sldId id="278" r:id="rId11"/>
     <p:sldId id="266" r:id="rId12"/>
-    <p:sldId id="265" r:id="rId13"/>
-    <p:sldId id="268" r:id="rId14"/>
-    <p:sldId id="267" r:id="rId15"/>
-    <p:sldId id="269" r:id="rId16"/>
-    <p:sldId id="270" r:id="rId17"/>
-    <p:sldId id="271" r:id="rId18"/>
-    <p:sldId id="272" r:id="rId19"/>
-    <p:sldId id="273" r:id="rId20"/>
-    <p:sldId id="279" r:id="rId21"/>
-    <p:sldId id="277" r:id="rId22"/>
+    <p:sldId id="280" r:id="rId13"/>
+    <p:sldId id="265" r:id="rId14"/>
+    <p:sldId id="268" r:id="rId15"/>
+    <p:sldId id="267" r:id="rId16"/>
+    <p:sldId id="269" r:id="rId17"/>
+    <p:sldId id="281" r:id="rId18"/>
+    <p:sldId id="270" r:id="rId19"/>
+    <p:sldId id="271" r:id="rId20"/>
+    <p:sldId id="272" r:id="rId21"/>
+    <p:sldId id="273" r:id="rId22"/>
+    <p:sldId id="279" r:id="rId23"/>
+    <p:sldId id="277" r:id="rId24"/>
   </p:sldIdLst>
   <p:sldSz cx="12192000" cy="6858000"/>
   <p:notesSz cx="6858000" cy="9144000"/>
@@ -263,7 +265,7 @@
           <a:p>
             <a:fld id="{F0BDC418-6329-42B2-8BCA-3E23DE92C734}" type="datetimeFigureOut">
               <a:rPr lang="en-US" smtClean="0"/>
-              <a:t>11/2/2014</a:t>
+              <a:t>11/12/2014</a:t>
             </a:fld>
             <a:endParaRPr lang="en-US"/>
           </a:p>
@@ -433,7 +435,7 @@
           <a:p>
             <a:fld id="{F0BDC418-6329-42B2-8BCA-3E23DE92C734}" type="datetimeFigureOut">
               <a:rPr lang="en-US" smtClean="0"/>
-              <a:t>11/2/2014</a:t>
+              <a:t>11/12/2014</a:t>
             </a:fld>
             <a:endParaRPr lang="en-US"/>
           </a:p>
@@ -613,7 +615,7 @@
           <a:p>
             <a:fld id="{F0BDC418-6329-42B2-8BCA-3E23DE92C734}" type="datetimeFigureOut">
               <a:rPr lang="en-US" smtClean="0"/>
-              <a:t>11/2/2014</a:t>
+              <a:t>11/12/2014</a:t>
             </a:fld>
             <a:endParaRPr lang="en-US"/>
           </a:p>
@@ -783,7 +785,7 @@
           <a:p>
             <a:fld id="{F0BDC418-6329-42B2-8BCA-3E23DE92C734}" type="datetimeFigureOut">
               <a:rPr lang="en-US" smtClean="0"/>
-              <a:t>11/2/2014</a:t>
+              <a:t>11/12/2014</a:t>
             </a:fld>
             <a:endParaRPr lang="en-US"/>
           </a:p>
@@ -1029,7 +1031,7 @@
           <a:p>
             <a:fld id="{F0BDC418-6329-42B2-8BCA-3E23DE92C734}" type="datetimeFigureOut">
               <a:rPr lang="en-US" smtClean="0"/>
-              <a:t>11/2/2014</a:t>
+              <a:t>11/12/2014</a:t>
             </a:fld>
             <a:endParaRPr lang="en-US"/>
           </a:p>
@@ -1261,7 +1263,7 @@
           <a:p>
             <a:fld id="{F0BDC418-6329-42B2-8BCA-3E23DE92C734}" type="datetimeFigureOut">
               <a:rPr lang="en-US" smtClean="0"/>
-              <a:t>11/2/2014</a:t>
+              <a:t>11/12/2014</a:t>
             </a:fld>
             <a:endParaRPr lang="en-US"/>
           </a:p>
@@ -1628,7 +1630,7 @@
           <a:p>
             <a:fld id="{F0BDC418-6329-42B2-8BCA-3E23DE92C734}" type="datetimeFigureOut">
               <a:rPr lang="en-US" smtClean="0"/>
-              <a:t>11/2/2014</a:t>
+              <a:t>11/12/2014</a:t>
             </a:fld>
             <a:endParaRPr lang="en-US"/>
           </a:p>
@@ -1746,7 +1748,7 @@
           <a:p>
             <a:fld id="{F0BDC418-6329-42B2-8BCA-3E23DE92C734}" type="datetimeFigureOut">
               <a:rPr lang="en-US" smtClean="0"/>
-              <a:t>11/2/2014</a:t>
+              <a:t>11/12/2014</a:t>
             </a:fld>
             <a:endParaRPr lang="en-US"/>
           </a:p>
@@ -1841,7 +1843,7 @@
           <a:p>
             <a:fld id="{F0BDC418-6329-42B2-8BCA-3E23DE92C734}" type="datetimeFigureOut">
               <a:rPr lang="en-US" smtClean="0"/>
-              <a:t>11/2/2014</a:t>
+              <a:t>11/12/2014</a:t>
             </a:fld>
             <a:endParaRPr lang="en-US"/>
           </a:p>
@@ -2118,7 +2120,7 @@
           <a:p>
             <a:fld id="{F0BDC418-6329-42B2-8BCA-3E23DE92C734}" type="datetimeFigureOut">
               <a:rPr lang="en-US" smtClean="0"/>
-              <a:t>11/2/2014</a:t>
+              <a:t>11/12/2014</a:t>
             </a:fld>
             <a:endParaRPr lang="en-US"/>
           </a:p>
@@ -2371,7 +2373,7 @@
           <a:p>
             <a:fld id="{F0BDC418-6329-42B2-8BCA-3E23DE92C734}" type="datetimeFigureOut">
               <a:rPr lang="en-US" smtClean="0"/>
-              <a:t>11/2/2014</a:t>
+              <a:t>11/12/2014</a:t>
             </a:fld>
             <a:endParaRPr lang="en-US"/>
           </a:p>
@@ -2584,7 +2586,7 @@
           <a:p>
             <a:fld id="{F0BDC418-6329-42B2-8BCA-3E23DE92C734}" type="datetimeFigureOut">
               <a:rPr lang="en-US" smtClean="0"/>
-              <a:t>11/2/2014</a:t>
+              <a:t>11/12/2014</a:t>
             </a:fld>
             <a:endParaRPr lang="en-US"/>
           </a:p>
@@ -3146,7 +3148,6 @@
               <a:rPr lang="en-US" dirty="0" smtClean="0"/>
               <a:t>HTTP methods as verbs</a:t>
             </a:r>
-            <a:endParaRPr lang="en-US" dirty="0" smtClean="0"/>
           </a:p>
           <a:p>
             <a:pPr lvl="1"/>
@@ -3235,7 +3236,6 @@
               <a:rPr lang="en-US" dirty="0" smtClean="0"/>
               <a:t>otation)</a:t>
             </a:r>
-            <a:endParaRPr lang="en-US" dirty="0" smtClean="0"/>
           </a:p>
           <a:p>
             <a:pPr lvl="2"/>
@@ -3325,14 +3325,49 @@
           <a:p>
             <a:r>
               <a:rPr lang="en-US" dirty="0" smtClean="0"/>
-              <a:t>Let’s design some APIs for </a:t>
+              <a:t>Things to keep in mind when designing APIs</a:t>
+            </a:r>
+          </a:p>
+          <a:p>
+            <a:pPr marL="0" indent="0">
+              <a:buNone/>
+            </a:pPr>
+            <a:endParaRPr lang="en-US" dirty="0" smtClean="0"/>
+          </a:p>
+          <a:p>
+            <a:r>
+              <a:rPr lang="en-US" dirty="0" smtClean="0"/>
+              <a:t>Let’s </a:t>
+            </a:r>
+            <a:r>
+              <a:rPr lang="en-US" dirty="0" smtClean="0"/>
+              <a:t>design some APIs for </a:t>
             </a:r>
             <a:r>
               <a:rPr lang="en-US" dirty="0" smtClean="0">
                 <a:hlinkClick r:id="rId2"/>
               </a:rPr>
-              <a:t>http://www.imdb.com/</a:t>
-            </a:r>
+              <a:t>http://www.imdb.com</a:t>
+            </a:r>
+            <a:r>
+              <a:rPr lang="en-US" dirty="0" smtClean="0">
+                <a:hlinkClick r:id="rId2"/>
+              </a:rPr>
+              <a:t>/</a:t>
+            </a:r>
+            <a:endParaRPr lang="en-US" dirty="0" smtClean="0"/>
+          </a:p>
+          <a:p>
+            <a:pPr lvl="1"/>
+            <a:r>
+              <a:rPr lang="en-US" dirty="0" smtClean="0"/>
+              <a:t>Yep, surprisingly they don’t have anything official</a:t>
+            </a:r>
+          </a:p>
+          <a:p>
+            <a:pPr marL="457200" lvl="1" indent="0">
+              <a:buNone/>
+            </a:pPr>
             <a:endParaRPr lang="en-US" dirty="0" smtClean="0"/>
           </a:p>
           <a:p>
@@ -3353,557 +3388,9 @@
               </a:rPr>
               <a:t></a:t>
             </a:r>
-          </a:p>
-          <a:p>
-            <a:r>
-              <a:rPr lang="en-US" dirty="0" smtClean="0">
-                <a:sym typeface="Wingdings" panose="05000000000000000000" pitchFamily="2" charset="2"/>
-              </a:rPr>
-              <a:t>A possible ‘subset’ of URLs can be</a:t>
-            </a:r>
-            <a:endParaRPr lang="en-US" dirty="0" smtClean="0"/>
-          </a:p>
-          <a:p>
-            <a:pPr lvl="1"/>
-            <a:endParaRPr lang="en-US" dirty="0"/>
-          </a:p>
-        </p:txBody>
-      </p:sp>
-      <p:sp>
-        <p:nvSpPr>
-          <p:cNvPr id="4" name="TextBox 3"/>
-          <p:cNvSpPr txBox="1"/>
-          <p:nvPr/>
-        </p:nvSpPr>
-        <p:spPr>
-          <a:xfrm>
-            <a:off x="1388226" y="3715789"/>
-            <a:ext cx="2416046" cy="1569660"/>
-          </a:xfrm>
-          <a:prstGeom prst="rect">
-            <a:avLst/>
-          </a:prstGeom>
-          <a:noFill/>
-        </p:spPr>
-        <p:txBody>
-          <a:bodyPr wrap="none" rtlCol="0">
-            <a:spAutoFit/>
-          </a:bodyPr>
-          <a:lstStyle/>
-          <a:p>
-            <a:r>
-              <a:rPr lang="en-US" sz="1200" b="1" dirty="0" smtClean="0">
-                <a:latin typeface="Courier New" panose="02070309020205020404" pitchFamily="49" charset="0"/>
-                <a:cs typeface="Courier New" panose="02070309020205020404" pitchFamily="49" charset="0"/>
-              </a:rPr>
-              <a:t>/</a:t>
-            </a:r>
-            <a:r>
-              <a:rPr lang="en-US" sz="1200" b="1" dirty="0" err="1" smtClean="0">
-                <a:latin typeface="Courier New" panose="02070309020205020404" pitchFamily="49" charset="0"/>
-                <a:cs typeface="Courier New" panose="02070309020205020404" pitchFamily="49" charset="0"/>
-              </a:rPr>
-              <a:t>getMovie</a:t>
-            </a:r>
-            <a:r>
-              <a:rPr lang="en-US" sz="1200" b="1" dirty="0" smtClean="0">
-                <a:latin typeface="Courier New" panose="02070309020205020404" pitchFamily="49" charset="0"/>
-                <a:cs typeface="Courier New" panose="02070309020205020404" pitchFamily="49" charset="0"/>
-              </a:rPr>
-              <a:t>/{id}</a:t>
-            </a:r>
-          </a:p>
-          <a:p>
-            <a:r>
-              <a:rPr lang="en-US" sz="1200" b="1" dirty="0" smtClean="0">
-                <a:latin typeface="Courier New" panose="02070309020205020404" pitchFamily="49" charset="0"/>
-                <a:cs typeface="Courier New" panose="02070309020205020404" pitchFamily="49" charset="0"/>
-              </a:rPr>
-              <a:t>/</a:t>
-            </a:r>
-            <a:r>
-              <a:rPr lang="en-US" sz="1200" b="1" dirty="0" err="1" smtClean="0">
-                <a:latin typeface="Courier New" panose="02070309020205020404" pitchFamily="49" charset="0"/>
-                <a:cs typeface="Courier New" panose="02070309020205020404" pitchFamily="49" charset="0"/>
-              </a:rPr>
-              <a:t>newMovie</a:t>
-            </a:r>
-            <a:endParaRPr lang="en-US" sz="1200" b="1" dirty="0" smtClean="0">
-              <a:latin typeface="Courier New" panose="02070309020205020404" pitchFamily="49" charset="0"/>
-              <a:cs typeface="Courier New" panose="02070309020205020404" pitchFamily="49" charset="0"/>
+            <a:endParaRPr lang="en-US" dirty="0" smtClean="0">
+              <a:sym typeface="Wingdings" panose="05000000000000000000" pitchFamily="2" charset="2"/>
             </a:endParaRPr>
-          </a:p>
-          <a:p>
-            <a:r>
-              <a:rPr lang="en-US" sz="1200" b="1" dirty="0" smtClean="0">
-                <a:latin typeface="Courier New" panose="02070309020205020404" pitchFamily="49" charset="0"/>
-                <a:cs typeface="Courier New" panose="02070309020205020404" pitchFamily="49" charset="0"/>
-              </a:rPr>
-              <a:t>/</a:t>
-            </a:r>
-            <a:r>
-              <a:rPr lang="en-US" sz="1200" b="1" dirty="0" err="1" smtClean="0">
-                <a:latin typeface="Courier New" panose="02070309020205020404" pitchFamily="49" charset="0"/>
-                <a:cs typeface="Courier New" panose="02070309020205020404" pitchFamily="49" charset="0"/>
-              </a:rPr>
-              <a:t>updateMovie</a:t>
-            </a:r>
-            <a:r>
-              <a:rPr lang="en-US" sz="1200" b="1" dirty="0" smtClean="0">
-                <a:latin typeface="Courier New" panose="02070309020205020404" pitchFamily="49" charset="0"/>
-                <a:cs typeface="Courier New" panose="02070309020205020404" pitchFamily="49" charset="0"/>
-              </a:rPr>
-              <a:t>/{id}</a:t>
-            </a:r>
-          </a:p>
-          <a:p>
-            <a:r>
-              <a:rPr lang="en-US" sz="1200" b="1" dirty="0" smtClean="0">
-                <a:latin typeface="Courier New" panose="02070309020205020404" pitchFamily="49" charset="0"/>
-                <a:cs typeface="Courier New" panose="02070309020205020404" pitchFamily="49" charset="0"/>
-              </a:rPr>
-              <a:t>/</a:t>
-            </a:r>
-            <a:r>
-              <a:rPr lang="en-US" sz="1200" b="1" dirty="0" err="1" smtClean="0">
-                <a:latin typeface="Courier New" panose="02070309020205020404" pitchFamily="49" charset="0"/>
-                <a:cs typeface="Courier New" panose="02070309020205020404" pitchFamily="49" charset="0"/>
-              </a:rPr>
-              <a:t>deleteMovie</a:t>
-            </a:r>
-            <a:r>
-              <a:rPr lang="en-US" sz="1200" b="1" dirty="0" smtClean="0">
-                <a:latin typeface="Courier New" panose="02070309020205020404" pitchFamily="49" charset="0"/>
-                <a:cs typeface="Courier New" panose="02070309020205020404" pitchFamily="49" charset="0"/>
-              </a:rPr>
-              <a:t>/{id}</a:t>
-            </a:r>
-          </a:p>
-          <a:p>
-            <a:r>
-              <a:rPr lang="en-US" sz="1200" b="1" dirty="0" smtClean="0">
-                <a:latin typeface="Courier New" panose="02070309020205020404" pitchFamily="49" charset="0"/>
-                <a:cs typeface="Courier New" panose="02070309020205020404" pitchFamily="49" charset="0"/>
-              </a:rPr>
-              <a:t>/</a:t>
-            </a:r>
-            <a:r>
-              <a:rPr lang="en-US" sz="1200" b="1" dirty="0" err="1" smtClean="0">
-                <a:latin typeface="Courier New" panose="02070309020205020404" pitchFamily="49" charset="0"/>
-                <a:cs typeface="Courier New" panose="02070309020205020404" pitchFamily="49" charset="0"/>
-              </a:rPr>
-              <a:t>getAllMovies</a:t>
-            </a:r>
-            <a:endParaRPr lang="en-US" sz="1200" b="1" dirty="0" smtClean="0">
-              <a:latin typeface="Courier New" panose="02070309020205020404" pitchFamily="49" charset="0"/>
-              <a:cs typeface="Courier New" panose="02070309020205020404" pitchFamily="49" charset="0"/>
-            </a:endParaRPr>
-          </a:p>
-          <a:p>
-            <a:r>
-              <a:rPr lang="en-US" sz="1200" b="1" dirty="0" smtClean="0">
-                <a:latin typeface="Courier New" panose="02070309020205020404" pitchFamily="49" charset="0"/>
-                <a:cs typeface="Courier New" panose="02070309020205020404" pitchFamily="49" charset="0"/>
-              </a:rPr>
-              <a:t>/</a:t>
-            </a:r>
-            <a:r>
-              <a:rPr lang="en-US" sz="1200" b="1" dirty="0" err="1" smtClean="0">
-                <a:latin typeface="Courier New" panose="02070309020205020404" pitchFamily="49" charset="0"/>
-                <a:cs typeface="Courier New" panose="02070309020205020404" pitchFamily="49" charset="0"/>
-              </a:rPr>
-              <a:t>updateAllMovies</a:t>
-            </a:r>
-            <a:endParaRPr lang="en-US" sz="1200" b="1" dirty="0" smtClean="0">
-              <a:latin typeface="Courier New" panose="02070309020205020404" pitchFamily="49" charset="0"/>
-              <a:cs typeface="Courier New" panose="02070309020205020404" pitchFamily="49" charset="0"/>
-            </a:endParaRPr>
-          </a:p>
-          <a:p>
-            <a:r>
-              <a:rPr lang="en-US" sz="1200" b="1" dirty="0" smtClean="0">
-                <a:latin typeface="Courier New" panose="02070309020205020404" pitchFamily="49" charset="0"/>
-                <a:cs typeface="Courier New" panose="02070309020205020404" pitchFamily="49" charset="0"/>
-              </a:rPr>
-              <a:t>/</a:t>
-            </a:r>
-            <a:r>
-              <a:rPr lang="en-US" sz="1200" b="1" dirty="0" err="1" smtClean="0">
-                <a:latin typeface="Courier New" panose="02070309020205020404" pitchFamily="49" charset="0"/>
-                <a:cs typeface="Courier New" panose="02070309020205020404" pitchFamily="49" charset="0"/>
-              </a:rPr>
-              <a:t>deleteAllMovies</a:t>
-            </a:r>
-            <a:endParaRPr lang="en-US" sz="1200" b="1" dirty="0" smtClean="0">
-              <a:latin typeface="Courier New" panose="02070309020205020404" pitchFamily="49" charset="0"/>
-              <a:cs typeface="Courier New" panose="02070309020205020404" pitchFamily="49" charset="0"/>
-            </a:endParaRPr>
-          </a:p>
-          <a:p>
-            <a:r>
-              <a:rPr lang="en-US" sz="1200" b="1" dirty="0" smtClean="0">
-                <a:latin typeface="Courier New" panose="02070309020205020404" pitchFamily="49" charset="0"/>
-                <a:cs typeface="Courier New" panose="02070309020205020404" pitchFamily="49" charset="0"/>
-              </a:rPr>
-              <a:t>/</a:t>
-            </a:r>
-            <a:r>
-              <a:rPr lang="en-US" sz="1200" b="1" dirty="0" err="1" smtClean="0">
-                <a:latin typeface="Courier New" panose="02070309020205020404" pitchFamily="49" charset="0"/>
-                <a:cs typeface="Courier New" panose="02070309020205020404" pitchFamily="49" charset="0"/>
-              </a:rPr>
-              <a:t>updateMovie</a:t>
-            </a:r>
-            <a:r>
-              <a:rPr lang="en-US" sz="1200" b="1" dirty="0" smtClean="0">
-                <a:latin typeface="Courier New" panose="02070309020205020404" pitchFamily="49" charset="0"/>
-                <a:cs typeface="Courier New" panose="02070309020205020404" pitchFamily="49" charset="0"/>
-              </a:rPr>
-              <a:t>/{id}/actors</a:t>
-            </a:r>
-          </a:p>
-        </p:txBody>
-      </p:sp>
-      <p:sp>
-        <p:nvSpPr>
-          <p:cNvPr id="5" name="TextBox 4"/>
-          <p:cNvSpPr txBox="1"/>
-          <p:nvPr/>
-        </p:nvSpPr>
-        <p:spPr>
-          <a:xfrm>
-            <a:off x="6960524" y="3715789"/>
-            <a:ext cx="3624710" cy="1754326"/>
-          </a:xfrm>
-          <a:prstGeom prst="rect">
-            <a:avLst/>
-          </a:prstGeom>
-          <a:noFill/>
-        </p:spPr>
-        <p:txBody>
-          <a:bodyPr wrap="none" rtlCol="0">
-            <a:spAutoFit/>
-          </a:bodyPr>
-          <a:lstStyle/>
-          <a:p>
-            <a:r>
-              <a:rPr lang="en-US" sz="1200" b="1" dirty="0" smtClean="0">
-                <a:latin typeface="Courier New" panose="02070309020205020404" pitchFamily="49" charset="0"/>
-                <a:cs typeface="Courier New" panose="02070309020205020404" pitchFamily="49" charset="0"/>
-              </a:rPr>
-              <a:t>/</a:t>
-            </a:r>
-            <a:r>
-              <a:rPr lang="en-US" sz="1200" b="1" dirty="0" err="1" smtClean="0">
-                <a:latin typeface="Courier New" panose="02070309020205020404" pitchFamily="49" charset="0"/>
-                <a:cs typeface="Courier New" panose="02070309020205020404" pitchFamily="49" charset="0"/>
-              </a:rPr>
-              <a:t>getAllMoviesReleasedInYear</a:t>
-            </a:r>
-            <a:r>
-              <a:rPr lang="en-US" sz="1200" b="1" dirty="0" smtClean="0">
-                <a:latin typeface="Courier New" panose="02070309020205020404" pitchFamily="49" charset="0"/>
-                <a:cs typeface="Courier New" panose="02070309020205020404" pitchFamily="49" charset="0"/>
-              </a:rPr>
-              <a:t>/{year}</a:t>
-            </a:r>
-          </a:p>
-          <a:p>
-            <a:r>
-              <a:rPr lang="en-US" sz="1200" b="1" dirty="0" smtClean="0">
-                <a:latin typeface="Courier New" panose="02070309020205020404" pitchFamily="49" charset="0"/>
-                <a:cs typeface="Courier New" panose="02070309020205020404" pitchFamily="49" charset="0"/>
-              </a:rPr>
-              <a:t>/</a:t>
-            </a:r>
-            <a:r>
-              <a:rPr lang="en-US" sz="1200" b="1" dirty="0" err="1" smtClean="0">
-                <a:latin typeface="Courier New" panose="02070309020205020404" pitchFamily="49" charset="0"/>
-                <a:cs typeface="Courier New" panose="02070309020205020404" pitchFamily="49" charset="0"/>
-              </a:rPr>
-              <a:t>getAllMoviesActedBy</a:t>
-            </a:r>
-            <a:r>
-              <a:rPr lang="en-US" sz="1200" b="1" dirty="0" smtClean="0">
-                <a:latin typeface="Courier New" panose="02070309020205020404" pitchFamily="49" charset="0"/>
-                <a:cs typeface="Courier New" panose="02070309020205020404" pitchFamily="49" charset="0"/>
-              </a:rPr>
-              <a:t>/{</a:t>
-            </a:r>
-            <a:r>
-              <a:rPr lang="en-US" sz="1200" b="1" dirty="0" err="1" smtClean="0">
-                <a:latin typeface="Courier New" panose="02070309020205020404" pitchFamily="49" charset="0"/>
-                <a:cs typeface="Courier New" panose="02070309020205020404" pitchFamily="49" charset="0"/>
-              </a:rPr>
-              <a:t>actorName</a:t>
-            </a:r>
-            <a:r>
-              <a:rPr lang="en-US" sz="1200" b="1" dirty="0" smtClean="0">
-                <a:latin typeface="Courier New" panose="02070309020205020404" pitchFamily="49" charset="0"/>
-                <a:cs typeface="Courier New" panose="02070309020205020404" pitchFamily="49" charset="0"/>
-              </a:rPr>
-              <a:t>}</a:t>
-            </a:r>
-          </a:p>
-          <a:p>
-            <a:r>
-              <a:rPr lang="en-US" sz="1200" b="1" dirty="0" smtClean="0">
-                <a:latin typeface="Courier New" panose="02070309020205020404" pitchFamily="49" charset="0"/>
-                <a:cs typeface="Courier New" panose="02070309020205020404" pitchFamily="49" charset="0"/>
-              </a:rPr>
-              <a:t>/</a:t>
-            </a:r>
-            <a:r>
-              <a:rPr lang="en-US" sz="1200" b="1" dirty="0" err="1" smtClean="0">
-                <a:latin typeface="Courier New" panose="02070309020205020404" pitchFamily="49" charset="0"/>
-                <a:cs typeface="Courier New" panose="02070309020205020404" pitchFamily="49" charset="0"/>
-              </a:rPr>
-              <a:t>getAllMoviesDirectedBy</a:t>
-            </a:r>
-            <a:r>
-              <a:rPr lang="en-US" sz="1200" b="1" dirty="0" smtClean="0">
-                <a:latin typeface="Courier New" panose="02070309020205020404" pitchFamily="49" charset="0"/>
-                <a:cs typeface="Courier New" panose="02070309020205020404" pitchFamily="49" charset="0"/>
-              </a:rPr>
-              <a:t>/{</a:t>
-            </a:r>
-            <a:r>
-              <a:rPr lang="en-US" sz="1200" b="1" dirty="0" err="1" smtClean="0">
-                <a:latin typeface="Courier New" panose="02070309020205020404" pitchFamily="49" charset="0"/>
-                <a:cs typeface="Courier New" panose="02070309020205020404" pitchFamily="49" charset="0"/>
-              </a:rPr>
-              <a:t>dirName</a:t>
-            </a:r>
-            <a:r>
-              <a:rPr lang="en-US" sz="1200" b="1" dirty="0" smtClean="0">
-                <a:latin typeface="Courier New" panose="02070309020205020404" pitchFamily="49" charset="0"/>
-                <a:cs typeface="Courier New" panose="02070309020205020404" pitchFamily="49" charset="0"/>
-              </a:rPr>
-              <a:t>}</a:t>
-            </a:r>
-          </a:p>
-          <a:p>
-            <a:r>
-              <a:rPr lang="en-US" sz="1200" b="1" dirty="0" smtClean="0">
-                <a:latin typeface="Courier New" panose="02070309020205020404" pitchFamily="49" charset="0"/>
-                <a:cs typeface="Courier New" panose="02070309020205020404" pitchFamily="49" charset="0"/>
-              </a:rPr>
-              <a:t>/</a:t>
-            </a:r>
-            <a:r>
-              <a:rPr lang="en-US" sz="1200" b="1" dirty="0" err="1" smtClean="0">
-                <a:latin typeface="Courier New" panose="02070309020205020404" pitchFamily="49" charset="0"/>
-                <a:cs typeface="Courier New" panose="02070309020205020404" pitchFamily="49" charset="0"/>
-              </a:rPr>
-              <a:t>updateAllMoviesReleasedInYear</a:t>
-            </a:r>
-            <a:r>
-              <a:rPr lang="en-US" sz="1200" b="1" dirty="0" smtClean="0">
-                <a:latin typeface="Courier New" panose="02070309020205020404" pitchFamily="49" charset="0"/>
-                <a:cs typeface="Courier New" panose="02070309020205020404" pitchFamily="49" charset="0"/>
-              </a:rPr>
-              <a:t>/{year}</a:t>
-            </a:r>
-          </a:p>
-          <a:p>
-            <a:r>
-              <a:rPr lang="en-US" sz="1200" b="1" dirty="0" smtClean="0">
-                <a:latin typeface="Courier New" panose="02070309020205020404" pitchFamily="49" charset="0"/>
-                <a:cs typeface="Courier New" panose="02070309020205020404" pitchFamily="49" charset="0"/>
-              </a:rPr>
-              <a:t>/</a:t>
-            </a:r>
-            <a:r>
-              <a:rPr lang="en-US" sz="1200" b="1" dirty="0" err="1" smtClean="0">
-                <a:latin typeface="Courier New" panose="02070309020205020404" pitchFamily="49" charset="0"/>
-                <a:cs typeface="Courier New" panose="02070309020205020404" pitchFamily="49" charset="0"/>
-              </a:rPr>
-              <a:t>updateAllMoviesActedBy</a:t>
-            </a:r>
-            <a:r>
-              <a:rPr lang="en-US" sz="1200" b="1" dirty="0" smtClean="0">
-                <a:latin typeface="Courier New" panose="02070309020205020404" pitchFamily="49" charset="0"/>
-                <a:cs typeface="Courier New" panose="02070309020205020404" pitchFamily="49" charset="0"/>
-              </a:rPr>
-              <a:t>/{</a:t>
-            </a:r>
-            <a:r>
-              <a:rPr lang="en-US" sz="1200" b="1" dirty="0" err="1" smtClean="0">
-                <a:latin typeface="Courier New" panose="02070309020205020404" pitchFamily="49" charset="0"/>
-                <a:cs typeface="Courier New" panose="02070309020205020404" pitchFamily="49" charset="0"/>
-              </a:rPr>
-              <a:t>actorName</a:t>
-            </a:r>
-            <a:r>
-              <a:rPr lang="en-US" sz="1200" b="1" dirty="0" smtClean="0">
-                <a:latin typeface="Courier New" panose="02070309020205020404" pitchFamily="49" charset="0"/>
-                <a:cs typeface="Courier New" panose="02070309020205020404" pitchFamily="49" charset="0"/>
-              </a:rPr>
-              <a:t>}</a:t>
-            </a:r>
-          </a:p>
-          <a:p>
-            <a:r>
-              <a:rPr lang="en-US" sz="1200" b="1" dirty="0" smtClean="0">
-                <a:latin typeface="Courier New" panose="02070309020205020404" pitchFamily="49" charset="0"/>
-                <a:cs typeface="Courier New" panose="02070309020205020404" pitchFamily="49" charset="0"/>
-              </a:rPr>
-              <a:t>/</a:t>
-            </a:r>
-            <a:r>
-              <a:rPr lang="en-US" sz="1200" b="1" dirty="0" err="1" smtClean="0">
-                <a:latin typeface="Courier New" panose="02070309020205020404" pitchFamily="49" charset="0"/>
-                <a:cs typeface="Courier New" panose="02070309020205020404" pitchFamily="49" charset="0"/>
-              </a:rPr>
-              <a:t>updateAllMoviesDirectedBy</a:t>
-            </a:r>
-            <a:r>
-              <a:rPr lang="en-US" sz="1200" b="1" dirty="0" smtClean="0">
-                <a:latin typeface="Courier New" panose="02070309020205020404" pitchFamily="49" charset="0"/>
-                <a:cs typeface="Courier New" panose="02070309020205020404" pitchFamily="49" charset="0"/>
-              </a:rPr>
-              <a:t>/{</a:t>
-            </a:r>
-            <a:r>
-              <a:rPr lang="en-US" sz="1200" b="1" dirty="0" err="1" smtClean="0">
-                <a:latin typeface="Courier New" panose="02070309020205020404" pitchFamily="49" charset="0"/>
-                <a:cs typeface="Courier New" panose="02070309020205020404" pitchFamily="49" charset="0"/>
-              </a:rPr>
-              <a:t>dirName</a:t>
-            </a:r>
-            <a:r>
-              <a:rPr lang="en-US" sz="1200" b="1" dirty="0" smtClean="0">
-                <a:latin typeface="Courier New" panose="02070309020205020404" pitchFamily="49" charset="0"/>
-                <a:cs typeface="Courier New" panose="02070309020205020404" pitchFamily="49" charset="0"/>
-              </a:rPr>
-              <a:t>}</a:t>
-            </a:r>
-          </a:p>
-          <a:p>
-            <a:r>
-              <a:rPr lang="en-US" sz="1200" b="1" dirty="0" smtClean="0">
-                <a:latin typeface="Courier New" panose="02070309020205020404" pitchFamily="49" charset="0"/>
-                <a:cs typeface="Courier New" panose="02070309020205020404" pitchFamily="49" charset="0"/>
-              </a:rPr>
-              <a:t>/</a:t>
-            </a:r>
-            <a:r>
-              <a:rPr lang="en-US" sz="1200" b="1" dirty="0" err="1" smtClean="0">
-                <a:latin typeface="Courier New" panose="02070309020205020404" pitchFamily="49" charset="0"/>
-                <a:cs typeface="Courier New" panose="02070309020205020404" pitchFamily="49" charset="0"/>
-              </a:rPr>
-              <a:t>deleteAllMoviesReleasedInYear</a:t>
-            </a:r>
-            <a:r>
-              <a:rPr lang="en-US" sz="1200" b="1" dirty="0" smtClean="0">
-                <a:latin typeface="Courier New" panose="02070309020205020404" pitchFamily="49" charset="0"/>
-                <a:cs typeface="Courier New" panose="02070309020205020404" pitchFamily="49" charset="0"/>
-              </a:rPr>
-              <a:t>/{year}</a:t>
-            </a:r>
-          </a:p>
-          <a:p>
-            <a:r>
-              <a:rPr lang="en-US" sz="1200" b="1" dirty="0" smtClean="0">
-                <a:latin typeface="Courier New" panose="02070309020205020404" pitchFamily="49" charset="0"/>
-                <a:cs typeface="Courier New" panose="02070309020205020404" pitchFamily="49" charset="0"/>
-              </a:rPr>
-              <a:t>/</a:t>
-            </a:r>
-            <a:r>
-              <a:rPr lang="en-US" sz="1200" b="1" dirty="0" err="1" smtClean="0">
-                <a:latin typeface="Courier New" panose="02070309020205020404" pitchFamily="49" charset="0"/>
-                <a:cs typeface="Courier New" panose="02070309020205020404" pitchFamily="49" charset="0"/>
-              </a:rPr>
-              <a:t>deleteAllMoviesActedBy</a:t>
-            </a:r>
-            <a:r>
-              <a:rPr lang="en-US" sz="1200" b="1" dirty="0" smtClean="0">
-                <a:latin typeface="Courier New" panose="02070309020205020404" pitchFamily="49" charset="0"/>
-                <a:cs typeface="Courier New" panose="02070309020205020404" pitchFamily="49" charset="0"/>
-              </a:rPr>
-              <a:t>/{</a:t>
-            </a:r>
-            <a:r>
-              <a:rPr lang="en-US" sz="1200" b="1" dirty="0" err="1" smtClean="0">
-                <a:latin typeface="Courier New" panose="02070309020205020404" pitchFamily="49" charset="0"/>
-                <a:cs typeface="Courier New" panose="02070309020205020404" pitchFamily="49" charset="0"/>
-              </a:rPr>
-              <a:t>actorName</a:t>
-            </a:r>
-            <a:r>
-              <a:rPr lang="en-US" sz="1200" b="1" dirty="0" smtClean="0">
-                <a:latin typeface="Courier New" panose="02070309020205020404" pitchFamily="49" charset="0"/>
-                <a:cs typeface="Courier New" panose="02070309020205020404" pitchFamily="49" charset="0"/>
-              </a:rPr>
-              <a:t>}</a:t>
-            </a:r>
-          </a:p>
-          <a:p>
-            <a:r>
-              <a:rPr lang="en-US" sz="1200" b="1" dirty="0" smtClean="0">
-                <a:latin typeface="Courier New" panose="02070309020205020404" pitchFamily="49" charset="0"/>
-                <a:cs typeface="Courier New" panose="02070309020205020404" pitchFamily="49" charset="0"/>
-              </a:rPr>
-              <a:t>/</a:t>
-            </a:r>
-            <a:r>
-              <a:rPr lang="en-US" sz="1200" b="1" dirty="0" err="1" smtClean="0">
-                <a:latin typeface="Courier New" panose="02070309020205020404" pitchFamily="49" charset="0"/>
-                <a:cs typeface="Courier New" panose="02070309020205020404" pitchFamily="49" charset="0"/>
-              </a:rPr>
-              <a:t>deleteAllMoviesDirectedBy</a:t>
-            </a:r>
-            <a:r>
-              <a:rPr lang="en-US" sz="1200" b="1" dirty="0" smtClean="0">
-                <a:latin typeface="Courier New" panose="02070309020205020404" pitchFamily="49" charset="0"/>
-                <a:cs typeface="Courier New" panose="02070309020205020404" pitchFamily="49" charset="0"/>
-              </a:rPr>
-              <a:t>/{</a:t>
-            </a:r>
-            <a:r>
-              <a:rPr lang="en-US" sz="1200" b="1" dirty="0" err="1" smtClean="0">
-                <a:latin typeface="Courier New" panose="02070309020205020404" pitchFamily="49" charset="0"/>
-                <a:cs typeface="Courier New" panose="02070309020205020404" pitchFamily="49" charset="0"/>
-              </a:rPr>
-              <a:t>dirName</a:t>
-            </a:r>
-            <a:r>
-              <a:rPr lang="en-US" sz="1200" b="1" dirty="0" smtClean="0">
-                <a:latin typeface="Courier New" panose="02070309020205020404" pitchFamily="49" charset="0"/>
-                <a:cs typeface="Courier New" panose="02070309020205020404" pitchFamily="49" charset="0"/>
-              </a:rPr>
-              <a:t>}</a:t>
-            </a:r>
-          </a:p>
-        </p:txBody>
-      </p:sp>
-      <p:sp>
-        <p:nvSpPr>
-          <p:cNvPr id="6" name="TextBox 5"/>
-          <p:cNvSpPr txBox="1"/>
-          <p:nvPr/>
-        </p:nvSpPr>
-        <p:spPr>
-          <a:xfrm>
-            <a:off x="2527069" y="5884575"/>
-            <a:ext cx="5710474" cy="584775"/>
-          </a:xfrm>
-          <a:prstGeom prst="rect">
-            <a:avLst/>
-          </a:prstGeom>
-          <a:noFill/>
-        </p:spPr>
-        <p:txBody>
-          <a:bodyPr wrap="none" rtlCol="0">
-            <a:spAutoFit/>
-          </a:bodyPr>
-          <a:lstStyle/>
-          <a:p>
-            <a:r>
-              <a:rPr lang="en-US" sz="3200" dirty="0" smtClean="0"/>
-              <a:t>We are really on a slippery-slope!</a:t>
-            </a:r>
           </a:p>
         </p:txBody>
       </p:sp>
@@ -3954,7 +3441,11 @@
           <a:p>
             <a:r>
               <a:rPr lang="en-US" b="1" dirty="0" smtClean="0"/>
-              <a:t>API Designing Good Practices (cont.)</a:t>
+              <a:t>API Designing Good </a:t>
+            </a:r>
+            <a:r>
+              <a:rPr lang="en-US" b="1" dirty="0" smtClean="0"/>
+              <a:t>Practices (cont.)</a:t>
             </a:r>
             <a:endParaRPr lang="en-US" b="1" dirty="0"/>
           </a:p>
@@ -3976,56 +3467,591 @@
           <a:lstStyle/>
           <a:p>
             <a:r>
-              <a:rPr lang="en-US" dirty="0" smtClean="0"/>
-              <a:t>Two base URLs per resource</a:t>
-            </a:r>
-          </a:p>
-          <a:p>
-            <a:pPr marL="914400" lvl="1" indent="-457200">
-              <a:buFont typeface="+mj-lt"/>
-              <a:buAutoNum type="arabicPeriod"/>
-            </a:pPr>
-            <a:r>
-              <a:rPr lang="en-US" dirty="0" smtClean="0"/>
-              <a:t>One for collections </a:t>
-            </a:r>
-          </a:p>
-          <a:p>
-            <a:pPr lvl="2"/>
-            <a:r>
-              <a:rPr lang="en-US" b="1" dirty="0" smtClean="0">
+              <a:rPr lang="en-US" dirty="0" smtClean="0">
+                <a:sym typeface="Wingdings" panose="05000000000000000000" pitchFamily="2" charset="2"/>
+              </a:rPr>
+              <a:t>A </a:t>
+            </a:r>
+            <a:r>
+              <a:rPr lang="en-US" dirty="0" smtClean="0">
+                <a:sym typeface="Wingdings" panose="05000000000000000000" pitchFamily="2" charset="2"/>
+              </a:rPr>
+              <a:t>possible ‘subset’ of URLs can be</a:t>
+            </a:r>
+            <a:endParaRPr lang="en-US" dirty="0" smtClean="0"/>
+          </a:p>
+          <a:p>
+            <a:pPr lvl="1"/>
+            <a:endParaRPr lang="en-US" dirty="0"/>
+          </a:p>
+        </p:txBody>
+      </p:sp>
+      <p:sp>
+        <p:nvSpPr>
+          <p:cNvPr id="4" name="TextBox 3"/>
+          <p:cNvSpPr txBox="1"/>
+          <p:nvPr/>
+        </p:nvSpPr>
+        <p:spPr>
+          <a:xfrm>
+            <a:off x="1061351" y="2285440"/>
+            <a:ext cx="2416046" cy="1569660"/>
+          </a:xfrm>
+          <a:prstGeom prst="rect">
+            <a:avLst/>
+          </a:prstGeom>
+          <a:noFill/>
+        </p:spPr>
+        <p:txBody>
+          <a:bodyPr wrap="none" rtlCol="0">
+            <a:spAutoFit/>
+          </a:bodyPr>
+          <a:lstStyle/>
+          <a:p>
+            <a:r>
+              <a:rPr lang="en-US" sz="1200" b="1" dirty="0" smtClean="0">
                 <a:latin typeface="Courier New" panose="02070309020205020404" pitchFamily="49" charset="0"/>
                 <a:cs typeface="Courier New" panose="02070309020205020404" pitchFamily="49" charset="0"/>
               </a:rPr>
-              <a:t>/movies</a:t>
-            </a:r>
-          </a:p>
-          <a:p>
-            <a:pPr marL="914400" lvl="1" indent="-457200">
-              <a:buFont typeface="+mj-lt"/>
-              <a:buAutoNum type="arabicPeriod"/>
-            </a:pPr>
-            <a:r>
-              <a:rPr lang="en-US" dirty="0" smtClean="0"/>
-              <a:t>Another for a specific element</a:t>
-            </a:r>
-          </a:p>
-          <a:p>
-            <a:pPr lvl="2"/>
-            <a:r>
-              <a:rPr lang="en-US" b="1" dirty="0" smtClean="0">
+              <a:t>/</a:t>
+            </a:r>
+            <a:r>
+              <a:rPr lang="en-US" sz="1200" b="1" dirty="0" err="1" smtClean="0">
                 <a:latin typeface="Courier New" panose="02070309020205020404" pitchFamily="49" charset="0"/>
                 <a:cs typeface="Courier New" panose="02070309020205020404" pitchFamily="49" charset="0"/>
               </a:rPr>
-              <a:t>/movies/123</a:t>
-            </a:r>
-          </a:p>
-        </p:txBody>
-      </p:sp>
+              <a:t>getMovie</a:t>
+            </a:r>
+            <a:r>
+              <a:rPr lang="en-US" sz="1200" b="1" dirty="0" smtClean="0">
+                <a:latin typeface="Courier New" panose="02070309020205020404" pitchFamily="49" charset="0"/>
+                <a:cs typeface="Courier New" panose="02070309020205020404" pitchFamily="49" charset="0"/>
+              </a:rPr>
+              <a:t>/{id}</a:t>
+            </a:r>
+          </a:p>
+          <a:p>
+            <a:r>
+              <a:rPr lang="en-US" sz="1200" b="1" dirty="0" smtClean="0">
+                <a:latin typeface="Courier New" panose="02070309020205020404" pitchFamily="49" charset="0"/>
+                <a:cs typeface="Courier New" panose="02070309020205020404" pitchFamily="49" charset="0"/>
+              </a:rPr>
+              <a:t>/</a:t>
+            </a:r>
+            <a:r>
+              <a:rPr lang="en-US" sz="1200" b="1" dirty="0" err="1" smtClean="0">
+                <a:latin typeface="Courier New" panose="02070309020205020404" pitchFamily="49" charset="0"/>
+                <a:cs typeface="Courier New" panose="02070309020205020404" pitchFamily="49" charset="0"/>
+              </a:rPr>
+              <a:t>newMovie</a:t>
+            </a:r>
+            <a:endParaRPr lang="en-US" sz="1200" b="1" dirty="0" smtClean="0">
+              <a:latin typeface="Courier New" panose="02070309020205020404" pitchFamily="49" charset="0"/>
+              <a:cs typeface="Courier New" panose="02070309020205020404" pitchFamily="49" charset="0"/>
+            </a:endParaRPr>
+          </a:p>
+          <a:p>
+            <a:r>
+              <a:rPr lang="en-US" sz="1200" b="1" dirty="0" smtClean="0">
+                <a:latin typeface="Courier New" panose="02070309020205020404" pitchFamily="49" charset="0"/>
+                <a:cs typeface="Courier New" panose="02070309020205020404" pitchFamily="49" charset="0"/>
+              </a:rPr>
+              <a:t>/</a:t>
+            </a:r>
+            <a:r>
+              <a:rPr lang="en-US" sz="1200" b="1" dirty="0" err="1" smtClean="0">
+                <a:latin typeface="Courier New" panose="02070309020205020404" pitchFamily="49" charset="0"/>
+                <a:cs typeface="Courier New" panose="02070309020205020404" pitchFamily="49" charset="0"/>
+              </a:rPr>
+              <a:t>updateMovie</a:t>
+            </a:r>
+            <a:r>
+              <a:rPr lang="en-US" sz="1200" b="1" dirty="0" smtClean="0">
+                <a:latin typeface="Courier New" panose="02070309020205020404" pitchFamily="49" charset="0"/>
+                <a:cs typeface="Courier New" panose="02070309020205020404" pitchFamily="49" charset="0"/>
+              </a:rPr>
+              <a:t>/{id}</a:t>
+            </a:r>
+          </a:p>
+          <a:p>
+            <a:r>
+              <a:rPr lang="en-US" sz="1200" b="1" dirty="0" smtClean="0">
+                <a:latin typeface="Courier New" panose="02070309020205020404" pitchFamily="49" charset="0"/>
+                <a:cs typeface="Courier New" panose="02070309020205020404" pitchFamily="49" charset="0"/>
+              </a:rPr>
+              <a:t>/</a:t>
+            </a:r>
+            <a:r>
+              <a:rPr lang="en-US" sz="1200" b="1" dirty="0" err="1" smtClean="0">
+                <a:latin typeface="Courier New" panose="02070309020205020404" pitchFamily="49" charset="0"/>
+                <a:cs typeface="Courier New" panose="02070309020205020404" pitchFamily="49" charset="0"/>
+              </a:rPr>
+              <a:t>deleteMovie</a:t>
+            </a:r>
+            <a:r>
+              <a:rPr lang="en-US" sz="1200" b="1" dirty="0" smtClean="0">
+                <a:latin typeface="Courier New" panose="02070309020205020404" pitchFamily="49" charset="0"/>
+                <a:cs typeface="Courier New" panose="02070309020205020404" pitchFamily="49" charset="0"/>
+              </a:rPr>
+              <a:t>/{id}</a:t>
+            </a:r>
+          </a:p>
+          <a:p>
+            <a:r>
+              <a:rPr lang="en-US" sz="1200" b="1" dirty="0" smtClean="0">
+                <a:latin typeface="Courier New" panose="02070309020205020404" pitchFamily="49" charset="0"/>
+                <a:cs typeface="Courier New" panose="02070309020205020404" pitchFamily="49" charset="0"/>
+              </a:rPr>
+              <a:t>/</a:t>
+            </a:r>
+            <a:r>
+              <a:rPr lang="en-US" sz="1200" b="1" dirty="0" err="1" smtClean="0">
+                <a:latin typeface="Courier New" panose="02070309020205020404" pitchFamily="49" charset="0"/>
+                <a:cs typeface="Courier New" panose="02070309020205020404" pitchFamily="49" charset="0"/>
+              </a:rPr>
+              <a:t>getAllMovies</a:t>
+            </a:r>
+            <a:endParaRPr lang="en-US" sz="1200" b="1" dirty="0" smtClean="0">
+              <a:latin typeface="Courier New" panose="02070309020205020404" pitchFamily="49" charset="0"/>
+              <a:cs typeface="Courier New" panose="02070309020205020404" pitchFamily="49" charset="0"/>
+            </a:endParaRPr>
+          </a:p>
+          <a:p>
+            <a:r>
+              <a:rPr lang="en-US" sz="1200" b="1" dirty="0" smtClean="0">
+                <a:latin typeface="Courier New" panose="02070309020205020404" pitchFamily="49" charset="0"/>
+                <a:cs typeface="Courier New" panose="02070309020205020404" pitchFamily="49" charset="0"/>
+              </a:rPr>
+              <a:t>/</a:t>
+            </a:r>
+            <a:r>
+              <a:rPr lang="en-US" sz="1200" b="1" dirty="0" err="1" smtClean="0">
+                <a:latin typeface="Courier New" panose="02070309020205020404" pitchFamily="49" charset="0"/>
+                <a:cs typeface="Courier New" panose="02070309020205020404" pitchFamily="49" charset="0"/>
+              </a:rPr>
+              <a:t>updateAllMovies</a:t>
+            </a:r>
+            <a:endParaRPr lang="en-US" sz="1200" b="1" dirty="0" smtClean="0">
+              <a:latin typeface="Courier New" panose="02070309020205020404" pitchFamily="49" charset="0"/>
+              <a:cs typeface="Courier New" panose="02070309020205020404" pitchFamily="49" charset="0"/>
+            </a:endParaRPr>
+          </a:p>
+          <a:p>
+            <a:r>
+              <a:rPr lang="en-US" sz="1200" b="1" dirty="0" smtClean="0">
+                <a:latin typeface="Courier New" panose="02070309020205020404" pitchFamily="49" charset="0"/>
+                <a:cs typeface="Courier New" panose="02070309020205020404" pitchFamily="49" charset="0"/>
+              </a:rPr>
+              <a:t>/</a:t>
+            </a:r>
+            <a:r>
+              <a:rPr lang="en-US" sz="1200" b="1" dirty="0" err="1" smtClean="0">
+                <a:latin typeface="Courier New" panose="02070309020205020404" pitchFamily="49" charset="0"/>
+                <a:cs typeface="Courier New" panose="02070309020205020404" pitchFamily="49" charset="0"/>
+              </a:rPr>
+              <a:t>deleteAllMovies</a:t>
+            </a:r>
+            <a:endParaRPr lang="en-US" sz="1200" b="1" dirty="0" smtClean="0">
+              <a:latin typeface="Courier New" panose="02070309020205020404" pitchFamily="49" charset="0"/>
+              <a:cs typeface="Courier New" panose="02070309020205020404" pitchFamily="49" charset="0"/>
+            </a:endParaRPr>
+          </a:p>
+          <a:p>
+            <a:r>
+              <a:rPr lang="en-US" sz="1200" b="1" dirty="0" smtClean="0">
+                <a:latin typeface="Courier New" panose="02070309020205020404" pitchFamily="49" charset="0"/>
+                <a:cs typeface="Courier New" panose="02070309020205020404" pitchFamily="49" charset="0"/>
+              </a:rPr>
+              <a:t>/</a:t>
+            </a:r>
+            <a:r>
+              <a:rPr lang="en-US" sz="1200" b="1" dirty="0" err="1" smtClean="0">
+                <a:latin typeface="Courier New" panose="02070309020205020404" pitchFamily="49" charset="0"/>
+                <a:cs typeface="Courier New" panose="02070309020205020404" pitchFamily="49" charset="0"/>
+              </a:rPr>
+              <a:t>updateMovie</a:t>
+            </a:r>
+            <a:r>
+              <a:rPr lang="en-US" sz="1200" b="1" dirty="0" smtClean="0">
+                <a:latin typeface="Courier New" panose="02070309020205020404" pitchFamily="49" charset="0"/>
+                <a:cs typeface="Courier New" panose="02070309020205020404" pitchFamily="49" charset="0"/>
+              </a:rPr>
+              <a:t>/{id}/actors</a:t>
+            </a:r>
+          </a:p>
+        </p:txBody>
+      </p:sp>
+      <p:sp>
+        <p:nvSpPr>
+          <p:cNvPr id="5" name="TextBox 4"/>
+          <p:cNvSpPr txBox="1"/>
+          <p:nvPr/>
+        </p:nvSpPr>
+        <p:spPr>
+          <a:xfrm>
+            <a:off x="6844145" y="2100774"/>
+            <a:ext cx="3624710" cy="1754326"/>
+          </a:xfrm>
+          <a:prstGeom prst="rect">
+            <a:avLst/>
+          </a:prstGeom>
+          <a:noFill/>
+        </p:spPr>
+        <p:txBody>
+          <a:bodyPr wrap="none" rtlCol="0">
+            <a:spAutoFit/>
+          </a:bodyPr>
+          <a:lstStyle/>
+          <a:p>
+            <a:r>
+              <a:rPr lang="en-US" sz="1200" b="1" dirty="0" smtClean="0">
+                <a:latin typeface="Courier New" panose="02070309020205020404" pitchFamily="49" charset="0"/>
+                <a:cs typeface="Courier New" panose="02070309020205020404" pitchFamily="49" charset="0"/>
+              </a:rPr>
+              <a:t>/</a:t>
+            </a:r>
+            <a:r>
+              <a:rPr lang="en-US" sz="1200" b="1" dirty="0" err="1" smtClean="0">
+                <a:latin typeface="Courier New" panose="02070309020205020404" pitchFamily="49" charset="0"/>
+                <a:cs typeface="Courier New" panose="02070309020205020404" pitchFamily="49" charset="0"/>
+              </a:rPr>
+              <a:t>getAllMoviesReleasedInYear</a:t>
+            </a:r>
+            <a:r>
+              <a:rPr lang="en-US" sz="1200" b="1" dirty="0" smtClean="0">
+                <a:latin typeface="Courier New" panose="02070309020205020404" pitchFamily="49" charset="0"/>
+                <a:cs typeface="Courier New" panose="02070309020205020404" pitchFamily="49" charset="0"/>
+              </a:rPr>
+              <a:t>/{year}</a:t>
+            </a:r>
+          </a:p>
+          <a:p>
+            <a:r>
+              <a:rPr lang="en-US" sz="1200" b="1" dirty="0" smtClean="0">
+                <a:latin typeface="Courier New" panose="02070309020205020404" pitchFamily="49" charset="0"/>
+                <a:cs typeface="Courier New" panose="02070309020205020404" pitchFamily="49" charset="0"/>
+              </a:rPr>
+              <a:t>/</a:t>
+            </a:r>
+            <a:r>
+              <a:rPr lang="en-US" sz="1200" b="1" dirty="0" err="1" smtClean="0">
+                <a:latin typeface="Courier New" panose="02070309020205020404" pitchFamily="49" charset="0"/>
+                <a:cs typeface="Courier New" panose="02070309020205020404" pitchFamily="49" charset="0"/>
+              </a:rPr>
+              <a:t>getAllMoviesActedBy</a:t>
+            </a:r>
+            <a:r>
+              <a:rPr lang="en-US" sz="1200" b="1" dirty="0" smtClean="0">
+                <a:latin typeface="Courier New" panose="02070309020205020404" pitchFamily="49" charset="0"/>
+                <a:cs typeface="Courier New" panose="02070309020205020404" pitchFamily="49" charset="0"/>
+              </a:rPr>
+              <a:t>/{</a:t>
+            </a:r>
+            <a:r>
+              <a:rPr lang="en-US" sz="1200" b="1" dirty="0" err="1" smtClean="0">
+                <a:latin typeface="Courier New" panose="02070309020205020404" pitchFamily="49" charset="0"/>
+                <a:cs typeface="Courier New" panose="02070309020205020404" pitchFamily="49" charset="0"/>
+              </a:rPr>
+              <a:t>actorName</a:t>
+            </a:r>
+            <a:r>
+              <a:rPr lang="en-US" sz="1200" b="1" dirty="0" smtClean="0">
+                <a:latin typeface="Courier New" panose="02070309020205020404" pitchFamily="49" charset="0"/>
+                <a:cs typeface="Courier New" panose="02070309020205020404" pitchFamily="49" charset="0"/>
+              </a:rPr>
+              <a:t>}</a:t>
+            </a:r>
+          </a:p>
+          <a:p>
+            <a:r>
+              <a:rPr lang="en-US" sz="1200" b="1" dirty="0" smtClean="0">
+                <a:latin typeface="Courier New" panose="02070309020205020404" pitchFamily="49" charset="0"/>
+                <a:cs typeface="Courier New" panose="02070309020205020404" pitchFamily="49" charset="0"/>
+              </a:rPr>
+              <a:t>/</a:t>
+            </a:r>
+            <a:r>
+              <a:rPr lang="en-US" sz="1200" b="1" dirty="0" err="1" smtClean="0">
+                <a:latin typeface="Courier New" panose="02070309020205020404" pitchFamily="49" charset="0"/>
+                <a:cs typeface="Courier New" panose="02070309020205020404" pitchFamily="49" charset="0"/>
+              </a:rPr>
+              <a:t>getAllMoviesDirectedBy</a:t>
+            </a:r>
+            <a:r>
+              <a:rPr lang="en-US" sz="1200" b="1" dirty="0" smtClean="0">
+                <a:latin typeface="Courier New" panose="02070309020205020404" pitchFamily="49" charset="0"/>
+                <a:cs typeface="Courier New" panose="02070309020205020404" pitchFamily="49" charset="0"/>
+              </a:rPr>
+              <a:t>/{</a:t>
+            </a:r>
+            <a:r>
+              <a:rPr lang="en-US" sz="1200" b="1" dirty="0" err="1" smtClean="0">
+                <a:latin typeface="Courier New" panose="02070309020205020404" pitchFamily="49" charset="0"/>
+                <a:cs typeface="Courier New" panose="02070309020205020404" pitchFamily="49" charset="0"/>
+              </a:rPr>
+              <a:t>dirName</a:t>
+            </a:r>
+            <a:r>
+              <a:rPr lang="en-US" sz="1200" b="1" dirty="0" smtClean="0">
+                <a:latin typeface="Courier New" panose="02070309020205020404" pitchFamily="49" charset="0"/>
+                <a:cs typeface="Courier New" panose="02070309020205020404" pitchFamily="49" charset="0"/>
+              </a:rPr>
+              <a:t>}</a:t>
+            </a:r>
+          </a:p>
+          <a:p>
+            <a:r>
+              <a:rPr lang="en-US" sz="1200" b="1" dirty="0" smtClean="0">
+                <a:latin typeface="Courier New" panose="02070309020205020404" pitchFamily="49" charset="0"/>
+                <a:cs typeface="Courier New" panose="02070309020205020404" pitchFamily="49" charset="0"/>
+              </a:rPr>
+              <a:t>/</a:t>
+            </a:r>
+            <a:r>
+              <a:rPr lang="en-US" sz="1200" b="1" dirty="0" err="1" smtClean="0">
+                <a:latin typeface="Courier New" panose="02070309020205020404" pitchFamily="49" charset="0"/>
+                <a:cs typeface="Courier New" panose="02070309020205020404" pitchFamily="49" charset="0"/>
+              </a:rPr>
+              <a:t>updateAllMoviesReleasedInYear</a:t>
+            </a:r>
+            <a:r>
+              <a:rPr lang="en-US" sz="1200" b="1" dirty="0" smtClean="0">
+                <a:latin typeface="Courier New" panose="02070309020205020404" pitchFamily="49" charset="0"/>
+                <a:cs typeface="Courier New" panose="02070309020205020404" pitchFamily="49" charset="0"/>
+              </a:rPr>
+              <a:t>/{year}</a:t>
+            </a:r>
+          </a:p>
+          <a:p>
+            <a:r>
+              <a:rPr lang="en-US" sz="1200" b="1" dirty="0" smtClean="0">
+                <a:latin typeface="Courier New" panose="02070309020205020404" pitchFamily="49" charset="0"/>
+                <a:cs typeface="Courier New" panose="02070309020205020404" pitchFamily="49" charset="0"/>
+              </a:rPr>
+              <a:t>/</a:t>
+            </a:r>
+            <a:r>
+              <a:rPr lang="en-US" sz="1200" b="1" dirty="0" err="1" smtClean="0">
+                <a:latin typeface="Courier New" panose="02070309020205020404" pitchFamily="49" charset="0"/>
+                <a:cs typeface="Courier New" panose="02070309020205020404" pitchFamily="49" charset="0"/>
+              </a:rPr>
+              <a:t>updateAllMoviesActedBy</a:t>
+            </a:r>
+            <a:r>
+              <a:rPr lang="en-US" sz="1200" b="1" dirty="0" smtClean="0">
+                <a:latin typeface="Courier New" panose="02070309020205020404" pitchFamily="49" charset="0"/>
+                <a:cs typeface="Courier New" panose="02070309020205020404" pitchFamily="49" charset="0"/>
+              </a:rPr>
+              <a:t>/{</a:t>
+            </a:r>
+            <a:r>
+              <a:rPr lang="en-US" sz="1200" b="1" dirty="0" err="1" smtClean="0">
+                <a:latin typeface="Courier New" panose="02070309020205020404" pitchFamily="49" charset="0"/>
+                <a:cs typeface="Courier New" panose="02070309020205020404" pitchFamily="49" charset="0"/>
+              </a:rPr>
+              <a:t>actorName</a:t>
+            </a:r>
+            <a:r>
+              <a:rPr lang="en-US" sz="1200" b="1" dirty="0" smtClean="0">
+                <a:latin typeface="Courier New" panose="02070309020205020404" pitchFamily="49" charset="0"/>
+                <a:cs typeface="Courier New" panose="02070309020205020404" pitchFamily="49" charset="0"/>
+              </a:rPr>
+              <a:t>}</a:t>
+            </a:r>
+          </a:p>
+          <a:p>
+            <a:r>
+              <a:rPr lang="en-US" sz="1200" b="1" dirty="0" smtClean="0">
+                <a:latin typeface="Courier New" panose="02070309020205020404" pitchFamily="49" charset="0"/>
+                <a:cs typeface="Courier New" panose="02070309020205020404" pitchFamily="49" charset="0"/>
+              </a:rPr>
+              <a:t>/</a:t>
+            </a:r>
+            <a:r>
+              <a:rPr lang="en-US" sz="1200" b="1" dirty="0" err="1" smtClean="0">
+                <a:latin typeface="Courier New" panose="02070309020205020404" pitchFamily="49" charset="0"/>
+                <a:cs typeface="Courier New" panose="02070309020205020404" pitchFamily="49" charset="0"/>
+              </a:rPr>
+              <a:t>updateAllMoviesDirectedBy</a:t>
+            </a:r>
+            <a:r>
+              <a:rPr lang="en-US" sz="1200" b="1" dirty="0" smtClean="0">
+                <a:latin typeface="Courier New" panose="02070309020205020404" pitchFamily="49" charset="0"/>
+                <a:cs typeface="Courier New" panose="02070309020205020404" pitchFamily="49" charset="0"/>
+              </a:rPr>
+              <a:t>/{</a:t>
+            </a:r>
+            <a:r>
+              <a:rPr lang="en-US" sz="1200" b="1" dirty="0" err="1" smtClean="0">
+                <a:latin typeface="Courier New" panose="02070309020205020404" pitchFamily="49" charset="0"/>
+                <a:cs typeface="Courier New" panose="02070309020205020404" pitchFamily="49" charset="0"/>
+              </a:rPr>
+              <a:t>dirName</a:t>
+            </a:r>
+            <a:r>
+              <a:rPr lang="en-US" sz="1200" b="1" dirty="0" smtClean="0">
+                <a:latin typeface="Courier New" panose="02070309020205020404" pitchFamily="49" charset="0"/>
+                <a:cs typeface="Courier New" panose="02070309020205020404" pitchFamily="49" charset="0"/>
+              </a:rPr>
+              <a:t>}</a:t>
+            </a:r>
+          </a:p>
+          <a:p>
+            <a:r>
+              <a:rPr lang="en-US" sz="1200" b="1" dirty="0" smtClean="0">
+                <a:latin typeface="Courier New" panose="02070309020205020404" pitchFamily="49" charset="0"/>
+                <a:cs typeface="Courier New" panose="02070309020205020404" pitchFamily="49" charset="0"/>
+              </a:rPr>
+              <a:t>/</a:t>
+            </a:r>
+            <a:r>
+              <a:rPr lang="en-US" sz="1200" b="1" dirty="0" err="1" smtClean="0">
+                <a:latin typeface="Courier New" panose="02070309020205020404" pitchFamily="49" charset="0"/>
+                <a:cs typeface="Courier New" panose="02070309020205020404" pitchFamily="49" charset="0"/>
+              </a:rPr>
+              <a:t>deleteAllMoviesReleasedInYear</a:t>
+            </a:r>
+            <a:r>
+              <a:rPr lang="en-US" sz="1200" b="1" dirty="0" smtClean="0">
+                <a:latin typeface="Courier New" panose="02070309020205020404" pitchFamily="49" charset="0"/>
+                <a:cs typeface="Courier New" panose="02070309020205020404" pitchFamily="49" charset="0"/>
+              </a:rPr>
+              <a:t>/{year}</a:t>
+            </a:r>
+          </a:p>
+          <a:p>
+            <a:r>
+              <a:rPr lang="en-US" sz="1200" b="1" dirty="0" smtClean="0">
+                <a:latin typeface="Courier New" panose="02070309020205020404" pitchFamily="49" charset="0"/>
+                <a:cs typeface="Courier New" panose="02070309020205020404" pitchFamily="49" charset="0"/>
+              </a:rPr>
+              <a:t>/</a:t>
+            </a:r>
+            <a:r>
+              <a:rPr lang="en-US" sz="1200" b="1" dirty="0" err="1" smtClean="0">
+                <a:latin typeface="Courier New" panose="02070309020205020404" pitchFamily="49" charset="0"/>
+                <a:cs typeface="Courier New" panose="02070309020205020404" pitchFamily="49" charset="0"/>
+              </a:rPr>
+              <a:t>deleteAllMoviesActedBy</a:t>
+            </a:r>
+            <a:r>
+              <a:rPr lang="en-US" sz="1200" b="1" dirty="0" smtClean="0">
+                <a:latin typeface="Courier New" panose="02070309020205020404" pitchFamily="49" charset="0"/>
+                <a:cs typeface="Courier New" panose="02070309020205020404" pitchFamily="49" charset="0"/>
+              </a:rPr>
+              <a:t>/{</a:t>
+            </a:r>
+            <a:r>
+              <a:rPr lang="en-US" sz="1200" b="1" dirty="0" err="1" smtClean="0">
+                <a:latin typeface="Courier New" panose="02070309020205020404" pitchFamily="49" charset="0"/>
+                <a:cs typeface="Courier New" panose="02070309020205020404" pitchFamily="49" charset="0"/>
+              </a:rPr>
+              <a:t>actorName</a:t>
+            </a:r>
+            <a:r>
+              <a:rPr lang="en-US" sz="1200" b="1" dirty="0" smtClean="0">
+                <a:latin typeface="Courier New" panose="02070309020205020404" pitchFamily="49" charset="0"/>
+                <a:cs typeface="Courier New" panose="02070309020205020404" pitchFamily="49" charset="0"/>
+              </a:rPr>
+              <a:t>}</a:t>
+            </a:r>
+          </a:p>
+          <a:p>
+            <a:r>
+              <a:rPr lang="en-US" sz="1200" b="1" dirty="0" smtClean="0">
+                <a:latin typeface="Courier New" panose="02070309020205020404" pitchFamily="49" charset="0"/>
+                <a:cs typeface="Courier New" panose="02070309020205020404" pitchFamily="49" charset="0"/>
+              </a:rPr>
+              <a:t>/</a:t>
+            </a:r>
+            <a:r>
+              <a:rPr lang="en-US" sz="1200" b="1" dirty="0" err="1" smtClean="0">
+                <a:latin typeface="Courier New" panose="02070309020205020404" pitchFamily="49" charset="0"/>
+                <a:cs typeface="Courier New" panose="02070309020205020404" pitchFamily="49" charset="0"/>
+              </a:rPr>
+              <a:t>deleteAllMoviesDirectedBy</a:t>
+            </a:r>
+            <a:r>
+              <a:rPr lang="en-US" sz="1200" b="1" dirty="0" smtClean="0">
+                <a:latin typeface="Courier New" panose="02070309020205020404" pitchFamily="49" charset="0"/>
+                <a:cs typeface="Courier New" panose="02070309020205020404" pitchFamily="49" charset="0"/>
+              </a:rPr>
+              <a:t>/{</a:t>
+            </a:r>
+            <a:r>
+              <a:rPr lang="en-US" sz="1200" b="1" dirty="0" err="1" smtClean="0">
+                <a:latin typeface="Courier New" panose="02070309020205020404" pitchFamily="49" charset="0"/>
+                <a:cs typeface="Courier New" panose="02070309020205020404" pitchFamily="49" charset="0"/>
+              </a:rPr>
+              <a:t>dirName</a:t>
+            </a:r>
+            <a:r>
+              <a:rPr lang="en-US" sz="1200" b="1" dirty="0" smtClean="0">
+                <a:latin typeface="Courier New" panose="02070309020205020404" pitchFamily="49" charset="0"/>
+                <a:cs typeface="Courier New" panose="02070309020205020404" pitchFamily="49" charset="0"/>
+              </a:rPr>
+              <a:t>}</a:t>
+            </a:r>
+          </a:p>
+        </p:txBody>
+      </p:sp>
+      <p:sp>
+        <p:nvSpPr>
+          <p:cNvPr id="6" name="TextBox 5"/>
+          <p:cNvSpPr txBox="1"/>
+          <p:nvPr/>
+        </p:nvSpPr>
+        <p:spPr>
+          <a:xfrm>
+            <a:off x="2527069" y="5884575"/>
+            <a:ext cx="5710474" cy="584775"/>
+          </a:xfrm>
+          <a:prstGeom prst="rect">
+            <a:avLst/>
+          </a:prstGeom>
+          <a:noFill/>
+        </p:spPr>
+        <p:txBody>
+          <a:bodyPr wrap="none" rtlCol="0">
+            <a:spAutoFit/>
+          </a:bodyPr>
+          <a:lstStyle/>
+          <a:p>
+            <a:r>
+              <a:rPr lang="en-US" sz="3200" dirty="0" smtClean="0"/>
+              <a:t>We are really on a slippery-slope!</a:t>
+            </a:r>
+          </a:p>
+        </p:txBody>
+      </p:sp>
+      <p:pic>
+        <p:nvPicPr>
+          <p:cNvPr id="7" name="Picture 6"/>
+          <p:cNvPicPr>
+            <a:picLocks noChangeAspect="1"/>
+          </p:cNvPicPr>
+          <p:nvPr/>
+        </p:nvPicPr>
+        <p:blipFill>
+          <a:blip r:embed="rId2"/>
+          <a:stretch>
+            <a:fillRect/>
+          </a:stretch>
+        </p:blipFill>
+        <p:spPr>
+          <a:xfrm>
+            <a:off x="4247618" y="3837204"/>
+            <a:ext cx="2269375" cy="2047371"/>
+          </a:xfrm>
+          <a:prstGeom prst="rect">
+            <a:avLst/>
+          </a:prstGeom>
+        </p:spPr>
+      </p:pic>
     </p:spTree>
     <p:extLst>
       <p:ext uri="{BB962C8B-B14F-4D97-AF65-F5344CB8AC3E}">
-        <p14:creationId xmlns:p14="http://schemas.microsoft.com/office/powerpoint/2010/main" val="435204222"/>
+        <p14:creationId xmlns:p14="http://schemas.microsoft.com/office/powerpoint/2010/main" val="1678318832"/>
       </p:ext>
     </p:extLst>
   </p:cSld>
@@ -4077,6 +4103,145 @@
       </p:sp>
       <p:sp>
         <p:nvSpPr>
+          <p:cNvPr id="3" name="Content Placeholder 2"/>
+          <p:cNvSpPr>
+            <a:spLocks noGrp="1"/>
+          </p:cNvSpPr>
+          <p:nvPr>
+            <p:ph idx="1"/>
+          </p:nvPr>
+        </p:nvSpPr>
+        <p:spPr/>
+        <p:txBody>
+          <a:bodyPr/>
+          <a:lstStyle/>
+          <a:p>
+            <a:r>
+              <a:rPr lang="en-US" dirty="0" smtClean="0"/>
+              <a:t>Two base URLs per resource</a:t>
+            </a:r>
+          </a:p>
+          <a:p>
+            <a:pPr marL="914400" lvl="1" indent="-457200">
+              <a:buFont typeface="+mj-lt"/>
+              <a:buAutoNum type="arabicPeriod"/>
+            </a:pPr>
+            <a:r>
+              <a:rPr lang="en-US" dirty="0" smtClean="0"/>
+              <a:t>One for collections </a:t>
+            </a:r>
+          </a:p>
+          <a:p>
+            <a:pPr lvl="2"/>
+            <a:r>
+              <a:rPr lang="en-US" b="1" dirty="0" smtClean="0">
+                <a:latin typeface="Courier New" panose="02070309020205020404" pitchFamily="49" charset="0"/>
+                <a:cs typeface="Courier New" panose="02070309020205020404" pitchFamily="49" charset="0"/>
+              </a:rPr>
+              <a:t>/movies</a:t>
+            </a:r>
+          </a:p>
+          <a:p>
+            <a:pPr marL="914400" lvl="1" indent="-457200">
+              <a:buFont typeface="+mj-lt"/>
+              <a:buAutoNum type="arabicPeriod"/>
+            </a:pPr>
+            <a:r>
+              <a:rPr lang="en-US" dirty="0" smtClean="0"/>
+              <a:t>Another for a specific element</a:t>
+            </a:r>
+          </a:p>
+          <a:p>
+            <a:pPr lvl="2"/>
+            <a:r>
+              <a:rPr lang="en-US" b="1" dirty="0" smtClean="0">
+                <a:latin typeface="Courier New" panose="02070309020205020404" pitchFamily="49" charset="0"/>
+                <a:cs typeface="Courier New" panose="02070309020205020404" pitchFamily="49" charset="0"/>
+              </a:rPr>
+              <a:t>/movies/123</a:t>
+            </a:r>
+          </a:p>
+        </p:txBody>
+      </p:sp>
+      <p:pic>
+        <p:nvPicPr>
+          <p:cNvPr id="4" name="Picture 3"/>
+          <p:cNvPicPr>
+            <a:picLocks noChangeAspect="1"/>
+          </p:cNvPicPr>
+          <p:nvPr/>
+        </p:nvPicPr>
+        <p:blipFill>
+          <a:blip r:embed="rId2"/>
+          <a:stretch>
+            <a:fillRect/>
+          </a:stretch>
+        </p:blipFill>
+        <p:spPr>
+          <a:xfrm>
+            <a:off x="4836102" y="3718993"/>
+            <a:ext cx="2519795" cy="2828826"/>
+          </a:xfrm>
+          <a:prstGeom prst="rect">
+            <a:avLst/>
+          </a:prstGeom>
+        </p:spPr>
+      </p:pic>
+    </p:spTree>
+    <p:extLst>
+      <p:ext uri="{BB962C8B-B14F-4D97-AF65-F5344CB8AC3E}">
+        <p14:creationId xmlns:p14="http://schemas.microsoft.com/office/powerpoint/2010/main" val="435204222"/>
+      </p:ext>
+    </p:extLst>
+  </p:cSld>
+  <p:clrMapOvr>
+    <a:masterClrMapping/>
+  </p:clrMapOvr>
+</p:sld>
+</file>
+
+<file path=ppt/slides/slide14.xml><?xml version="1.0" encoding="utf-8"?>
+<p:sld xmlns:a="http://schemas.openxmlformats.org/drawingml/2006/main" xmlns:r="http://schemas.openxmlformats.org/officeDocument/2006/relationships" xmlns:p="http://schemas.openxmlformats.org/presentationml/2006/main">
+  <p:cSld>
+    <p:spTree>
+      <p:nvGrpSpPr>
+        <p:cNvPr id="1" name=""/>
+        <p:cNvGrpSpPr/>
+        <p:nvPr/>
+      </p:nvGrpSpPr>
+      <p:grpSpPr>
+        <a:xfrm>
+          <a:off x="0" y="0"/>
+          <a:ext cx="0" cy="0"/>
+          <a:chOff x="0" y="0"/>
+          <a:chExt cx="0" cy="0"/>
+        </a:xfrm>
+      </p:grpSpPr>
+      <p:sp>
+        <p:nvSpPr>
+          <p:cNvPr id="2" name="Title 1"/>
+          <p:cNvSpPr>
+            <a:spLocks noGrp="1"/>
+          </p:cNvSpPr>
+          <p:nvPr>
+            <p:ph type="title"/>
+          </p:nvPr>
+        </p:nvSpPr>
+        <p:spPr/>
+        <p:txBody>
+          <a:bodyPr/>
+          <a:lstStyle/>
+          <a:p>
+            <a:r>
+              <a:rPr lang="en-US" b="1" dirty="0" smtClean="0"/>
+              <a:t>API Designing Good Practices (cont.)</a:t>
+            </a:r>
+            <a:endParaRPr lang="en-US" b="1" dirty="0"/>
+          </a:p>
+        </p:txBody>
+      </p:sp>
+      <p:sp>
+        <p:nvSpPr>
           <p:cNvPr id="5" name="Content Placeholder 4"/>
           <p:cNvSpPr>
             <a:spLocks noGrp="1"/>
@@ -4122,12 +4287,8 @@
           <a:p>
             <a:pPr lvl="2"/>
             <a:r>
-              <a:rPr lang="en-US" dirty="0" err="1" smtClean="0"/>
-              <a:t>Forsquare</a:t>
-            </a:r>
-            <a:r>
-              <a:rPr lang="en-US" dirty="0" smtClean="0"/>
-              <a:t> </a:t>
+              <a:rPr lang="en-US" dirty="0" smtClean="0"/>
+              <a:t>Foursquare </a:t>
             </a:r>
             <a:r>
               <a:rPr lang="en-US" b="1" dirty="0" smtClean="0">
@@ -4173,11 +4334,7 @@
           <a:p>
             <a:r>
               <a:rPr lang="en-US" dirty="0" smtClean="0"/>
-              <a:t>Abstract </a:t>
-            </a:r>
-            <a:r>
-              <a:rPr lang="en-US" dirty="0" smtClean="0"/>
-              <a:t>or concrete</a:t>
+              <a:t>Abstract or concrete</a:t>
             </a:r>
           </a:p>
           <a:p>
@@ -4225,7 +4382,7 @@
 </p:sld>
 </file>
 
-<file path=ppt/slides/slide14.xml><?xml version="1.0" encoding="utf-8"?>
+<file path=ppt/slides/slide15.xml><?xml version="1.0" encoding="utf-8"?>
 <p:sld xmlns:a="http://schemas.openxmlformats.org/drawingml/2006/main" xmlns:r="http://schemas.openxmlformats.org/officeDocument/2006/relationships" xmlns:p="http://schemas.openxmlformats.org/presentationml/2006/main">
   <p:cSld>
     <p:spTree>
@@ -4653,178 +4810,6 @@
 </p:sld>
 </file>
 
-<file path=ppt/slides/slide15.xml><?xml version="1.0" encoding="utf-8"?>
-<p:sld xmlns:a="http://schemas.openxmlformats.org/drawingml/2006/main" xmlns:r="http://schemas.openxmlformats.org/officeDocument/2006/relationships" xmlns:p="http://schemas.openxmlformats.org/presentationml/2006/main">
-  <p:cSld>
-    <p:spTree>
-      <p:nvGrpSpPr>
-        <p:cNvPr id="1" name=""/>
-        <p:cNvGrpSpPr/>
-        <p:nvPr/>
-      </p:nvGrpSpPr>
-      <p:grpSpPr>
-        <a:xfrm>
-          <a:off x="0" y="0"/>
-          <a:ext cx="0" cy="0"/>
-          <a:chOff x="0" y="0"/>
-          <a:chExt cx="0" cy="0"/>
-        </a:xfrm>
-      </p:grpSpPr>
-      <p:sp>
-        <p:nvSpPr>
-          <p:cNvPr id="2" name="Title 1"/>
-          <p:cNvSpPr>
-            <a:spLocks noGrp="1"/>
-          </p:cNvSpPr>
-          <p:nvPr>
-            <p:ph type="title"/>
-          </p:nvPr>
-        </p:nvSpPr>
-        <p:spPr/>
-        <p:txBody>
-          <a:bodyPr/>
-          <a:lstStyle/>
-          <a:p>
-            <a:r>
-              <a:rPr lang="en-US" b="1" dirty="0" smtClean="0"/>
-              <a:t>API Designing Good Practices (cont.)</a:t>
-            </a:r>
-            <a:endParaRPr lang="en-US" b="1" dirty="0"/>
-          </a:p>
-        </p:txBody>
-      </p:sp>
-      <p:sp>
-        <p:nvSpPr>
-          <p:cNvPr id="3" name="Content Placeholder 2"/>
-          <p:cNvSpPr>
-            <a:spLocks noGrp="1"/>
-          </p:cNvSpPr>
-          <p:nvPr>
-            <p:ph idx="1"/>
-          </p:nvPr>
-        </p:nvSpPr>
-        <p:spPr/>
-        <p:txBody>
-          <a:bodyPr>
-            <a:normAutofit fontScale="92500" lnSpcReduction="10000"/>
-          </a:bodyPr>
-          <a:lstStyle/>
-          <a:p>
-            <a:r>
-              <a:rPr lang="en-US" dirty="0" smtClean="0"/>
-              <a:t>What about association?</a:t>
-            </a:r>
-          </a:p>
-          <a:p>
-            <a:pPr lvl="1"/>
-            <a:r>
-              <a:rPr lang="en-US" dirty="0" smtClean="0"/>
-              <a:t>Maintain hierarchy</a:t>
-            </a:r>
-          </a:p>
-          <a:p>
-            <a:pPr lvl="2"/>
-            <a:r>
-              <a:rPr lang="en-US" b="1" dirty="0" smtClean="0">
-                <a:latin typeface="Courier New" panose="02070309020205020404" pitchFamily="49" charset="0"/>
-                <a:cs typeface="Courier New" panose="02070309020205020404" pitchFamily="49" charset="0"/>
-              </a:rPr>
-              <a:t>/movies/123/actors</a:t>
-            </a:r>
-          </a:p>
-          <a:p>
-            <a:pPr lvl="2"/>
-            <a:endParaRPr lang="en-US" dirty="0"/>
-          </a:p>
-          <a:p>
-            <a:r>
-              <a:rPr lang="en-US" dirty="0" smtClean="0"/>
-              <a:t>What about complex variations?</a:t>
-            </a:r>
-          </a:p>
-          <a:p>
-            <a:pPr lvl="1"/>
-            <a:r>
-              <a:rPr lang="en-US" dirty="0" smtClean="0"/>
-              <a:t>Use the good old ‘?’ (URL parameters)</a:t>
-            </a:r>
-          </a:p>
-          <a:p>
-            <a:pPr lvl="2"/>
-            <a:r>
-              <a:rPr lang="en-US" b="1" dirty="0" smtClean="0">
-                <a:latin typeface="Courier New" panose="02070309020205020404" pitchFamily="49" charset="0"/>
-                <a:cs typeface="Courier New" panose="02070309020205020404" pitchFamily="49" charset="0"/>
-              </a:rPr>
-              <a:t>/</a:t>
-            </a:r>
-            <a:r>
-              <a:rPr lang="en-US" b="1" dirty="0" err="1" smtClean="0">
-                <a:latin typeface="Courier New" panose="02070309020205020404" pitchFamily="49" charset="0"/>
-                <a:cs typeface="Courier New" panose="02070309020205020404" pitchFamily="49" charset="0"/>
-              </a:rPr>
-              <a:t>movies?releasedIn</a:t>
-            </a:r>
-            <a:r>
-              <a:rPr lang="en-US" b="1" dirty="0" smtClean="0">
-                <a:latin typeface="Courier New" panose="02070309020205020404" pitchFamily="49" charset="0"/>
-                <a:cs typeface="Courier New" panose="02070309020205020404" pitchFamily="49" charset="0"/>
-              </a:rPr>
-              <a:t>=2004&amp;actedBy=Natalie%20Portman</a:t>
-            </a:r>
-          </a:p>
-          <a:p>
-            <a:pPr lvl="1"/>
-            <a:r>
-              <a:rPr lang="en-US" dirty="0" smtClean="0"/>
-              <a:t>Use </a:t>
-            </a:r>
-            <a:r>
-              <a:rPr lang="en-US" dirty="0" err="1" smtClean="0"/>
-              <a:t>CamelCasing</a:t>
-            </a:r>
-            <a:r>
-              <a:rPr lang="en-US" dirty="0" smtClean="0"/>
-              <a:t> for URL parameter </a:t>
-            </a:r>
-            <a:r>
-              <a:rPr lang="en-US" dirty="0" smtClean="0"/>
-              <a:t>naming</a:t>
-            </a:r>
-          </a:p>
-          <a:p>
-            <a:pPr lvl="1"/>
-            <a:endParaRPr lang="en-US" dirty="0"/>
-          </a:p>
-          <a:p>
-            <a:r>
-              <a:rPr lang="en-US" dirty="0" smtClean="0"/>
-              <a:t>Should not use GET for any operation that causes state change in server side</a:t>
-            </a:r>
-          </a:p>
-          <a:p>
-            <a:pPr lvl="1"/>
-            <a:r>
-              <a:rPr lang="en-US" dirty="0" smtClean="0"/>
-              <a:t>No create/update/delete operation using GET</a:t>
-            </a:r>
-            <a:endParaRPr lang="en-US" dirty="0"/>
-          </a:p>
-        </p:txBody>
-      </p:sp>
-    </p:spTree>
-    <p:extLst>
-      <p:ext uri="{BB962C8B-B14F-4D97-AF65-F5344CB8AC3E}">
-        <p14:creationId xmlns:p14="http://schemas.microsoft.com/office/powerpoint/2010/main" val="3997641784"/>
-      </p:ext>
-    </p:extLst>
-  </p:cSld>
-  <p:clrMapOvr>
-    <a:masterClrMapping/>
-  </p:clrMapOvr>
-</p:sld>
-</file>
-
 <file path=ppt/slides/slide16.xml><?xml version="1.0" encoding="utf-8"?>
 <p:sld xmlns:a="http://schemas.openxmlformats.org/drawingml/2006/main" xmlns:r="http://schemas.openxmlformats.org/officeDocument/2006/relationships" xmlns:p="http://schemas.openxmlformats.org/presentationml/2006/main">
   <p:cSld>
@@ -4877,25 +4862,88 @@
         </p:nvSpPr>
         <p:spPr/>
         <p:txBody>
-          <a:bodyPr/>
-          <a:lstStyle/>
-          <a:p>
-            <a:r>
-              <a:rPr lang="en-US" dirty="0" smtClean="0"/>
-              <a:t>The world we live in is not so perfect</a:t>
+          <a:bodyPr>
+            <a:normAutofit fontScale="92500" lnSpcReduction="10000"/>
+          </a:bodyPr>
+          <a:lstStyle/>
+          <a:p>
+            <a:r>
+              <a:rPr lang="en-US" dirty="0" smtClean="0"/>
+              <a:t>What about association?</a:t>
             </a:r>
           </a:p>
           <a:p>
             <a:pPr lvl="1"/>
             <a:r>
               <a:rPr lang="en-US" dirty="0" smtClean="0"/>
-              <a:t>There are errors </a:t>
-            </a:r>
-            <a:r>
-              <a:rPr lang="en-US" dirty="0" smtClean="0"/>
-              <a:t>(and exceptions)</a:t>
-            </a:r>
-            <a:endParaRPr lang="en-US" dirty="0" smtClean="0"/>
+              <a:t>Maintain hierarchy</a:t>
+            </a:r>
+          </a:p>
+          <a:p>
+            <a:pPr lvl="2"/>
+            <a:r>
+              <a:rPr lang="en-US" b="1" dirty="0" smtClean="0">
+                <a:latin typeface="Courier New" panose="02070309020205020404" pitchFamily="49" charset="0"/>
+                <a:cs typeface="Courier New" panose="02070309020205020404" pitchFamily="49" charset="0"/>
+              </a:rPr>
+              <a:t>/movies/123/actors</a:t>
+            </a:r>
+          </a:p>
+          <a:p>
+            <a:pPr lvl="2"/>
+            <a:endParaRPr lang="en-US" dirty="0"/>
+          </a:p>
+          <a:p>
+            <a:r>
+              <a:rPr lang="en-US" dirty="0" smtClean="0"/>
+              <a:t>What about complex variations?</a:t>
+            </a:r>
+          </a:p>
+          <a:p>
+            <a:pPr lvl="1"/>
+            <a:r>
+              <a:rPr lang="en-US" dirty="0" smtClean="0"/>
+              <a:t>Use the good old ‘?’ (URL parameters)</a:t>
+            </a:r>
+          </a:p>
+          <a:p>
+            <a:pPr lvl="2"/>
+            <a:r>
+              <a:rPr lang="en-US" b="1" dirty="0" smtClean="0">
+                <a:latin typeface="Courier New" panose="02070309020205020404" pitchFamily="49" charset="0"/>
+                <a:cs typeface="Courier New" panose="02070309020205020404" pitchFamily="49" charset="0"/>
+              </a:rPr>
+              <a:t>/</a:t>
+            </a:r>
+            <a:r>
+              <a:rPr lang="en-US" b="1" dirty="0" err="1" smtClean="0">
+                <a:latin typeface="Courier New" panose="02070309020205020404" pitchFamily="49" charset="0"/>
+                <a:cs typeface="Courier New" panose="02070309020205020404" pitchFamily="49" charset="0"/>
+              </a:rPr>
+              <a:t>movies?releasedIn</a:t>
+            </a:r>
+            <a:r>
+              <a:rPr lang="en-US" b="1" dirty="0" smtClean="0">
+                <a:latin typeface="Courier New" panose="02070309020205020404" pitchFamily="49" charset="0"/>
+                <a:cs typeface="Courier New" panose="02070309020205020404" pitchFamily="49" charset="0"/>
+              </a:rPr>
+              <a:t>=2004&amp;actedBy=Natalie%20Portman</a:t>
+            </a:r>
+          </a:p>
+          <a:p>
+            <a:pPr lvl="1"/>
+            <a:r>
+              <a:rPr lang="en-US" dirty="0" smtClean="0"/>
+              <a:t>Use </a:t>
+            </a:r>
+            <a:r>
+              <a:rPr lang="en-US" dirty="0" err="1" smtClean="0"/>
+              <a:t>CamelCasing</a:t>
+            </a:r>
+            <a:r>
+              <a:rPr lang="en-US" dirty="0" smtClean="0"/>
+              <a:t> for URL parameter naming</a:t>
+            </a:r>
           </a:p>
           <a:p>
             <a:pPr lvl="1"/>
@@ -4904,51 +4952,23 @@
           <a:p>
             <a:r>
               <a:rPr lang="en-US" dirty="0" smtClean="0"/>
-              <a:t>How should we act on such times?</a:t>
+              <a:t>Should not use GET for any operation that causes state change in server side</a:t>
             </a:r>
           </a:p>
           <a:p>
             <a:pPr lvl="1"/>
             <a:r>
               <a:rPr lang="en-US" dirty="0" smtClean="0"/>
-              <a:t>Handle ‘</a:t>
-            </a:r>
-            <a:r>
-              <a:rPr lang="en-US" dirty="0" err="1" smtClean="0"/>
-              <a:t>em</a:t>
-            </a:r>
-            <a:endParaRPr lang="en-US" dirty="0" smtClean="0"/>
-          </a:p>
-          <a:p>
-            <a:pPr lvl="1"/>
+              <a:t>No create/update/delete operation using GET</a:t>
+            </a:r>
             <a:endParaRPr lang="en-US" dirty="0"/>
-          </a:p>
-          <a:p>
-            <a:r>
-              <a:rPr lang="en-US" dirty="0" smtClean="0"/>
-              <a:t>Why it’s important</a:t>
-            </a:r>
-          </a:p>
-          <a:p>
-            <a:pPr lvl="1"/>
-            <a:r>
-              <a:rPr lang="en-US" dirty="0" smtClean="0"/>
-              <a:t>Ensures robustness</a:t>
-            </a:r>
-          </a:p>
-          <a:p>
-            <a:pPr lvl="1"/>
-            <a:r>
-              <a:rPr lang="en-US" dirty="0" smtClean="0"/>
-              <a:t>Easier for developers (API users) to understand what’s going wrong</a:t>
-            </a:r>
           </a:p>
         </p:txBody>
       </p:sp>
     </p:spTree>
     <p:extLst>
       <p:ext uri="{BB962C8B-B14F-4D97-AF65-F5344CB8AC3E}">
-        <p14:creationId xmlns:p14="http://schemas.microsoft.com/office/powerpoint/2010/main" val="3119371958"/>
+        <p14:creationId xmlns:p14="http://schemas.microsoft.com/office/powerpoint/2010/main" val="3997641784"/>
       </p:ext>
     </p:extLst>
   </p:cSld>
@@ -4991,10 +5011,10 @@
           <a:lstStyle/>
           <a:p>
             <a:r>
-              <a:rPr lang="en-US" b="1" dirty="0" smtClean="0"/>
+              <a:rPr lang="en-US" b="1" dirty="0"/>
               <a:t>API Designing Good Practices (cont.)</a:t>
             </a:r>
-            <a:endParaRPr lang="en-US" b="1" dirty="0"/>
+            <a:endParaRPr lang="en-US" dirty="0"/>
           </a:p>
         </p:txBody>
       </p:sp>
@@ -5015,84 +5035,96 @@
           <a:p>
             <a:r>
               <a:rPr lang="en-US" dirty="0" smtClean="0"/>
-              <a:t>How should we do it?</a:t>
+              <a:t>How about authentication?</a:t>
             </a:r>
           </a:p>
           <a:p>
             <a:pPr lvl="1"/>
             <a:r>
               <a:rPr lang="en-US" dirty="0" smtClean="0"/>
-              <a:t>HTTP Status Codes</a:t>
+              <a:t>Let’s take a look at a few popular services</a:t>
             </a:r>
           </a:p>
           <a:p>
             <a:pPr lvl="2"/>
             <a:r>
               <a:rPr lang="en-US" dirty="0" smtClean="0"/>
-              <a:t>200 OK</a:t>
+              <a:t>PayPal – Permission Service API (proprietary)</a:t>
             </a:r>
           </a:p>
           <a:p>
             <a:pPr lvl="2"/>
             <a:r>
               <a:rPr lang="en-US" dirty="0" smtClean="0"/>
-              <a:t>404 Not Found</a:t>
-            </a:r>
-          </a:p>
-          <a:p>
-            <a:pPr marL="914400" lvl="2" indent="0">
-              <a:buNone/>
-            </a:pPr>
-            <a:endParaRPr lang="en-US" dirty="0" smtClean="0"/>
-          </a:p>
-          <a:p>
-            <a:r>
-              <a:rPr lang="en-US" dirty="0" smtClean="0"/>
-              <a:t>There are about 70 status codes so how many we should use?</a:t>
+              <a:t>Facebook – </a:t>
+            </a:r>
+            <a:r>
+              <a:rPr lang="en-US" dirty="0" err="1" smtClean="0"/>
+              <a:t>OAuth</a:t>
+            </a:r>
+            <a:r>
+              <a:rPr lang="en-US" dirty="0" smtClean="0"/>
+              <a:t> 2.0</a:t>
+            </a:r>
+          </a:p>
+          <a:p>
+            <a:pPr lvl="2"/>
+            <a:r>
+              <a:rPr lang="en-US" dirty="0" smtClean="0"/>
+              <a:t>Twitter - </a:t>
+            </a:r>
+            <a:r>
+              <a:rPr lang="en-US" dirty="0" err="1"/>
+              <a:t>OAuth</a:t>
+            </a:r>
+            <a:r>
+              <a:rPr lang="en-US" dirty="0"/>
+              <a:t> </a:t>
+            </a:r>
+            <a:r>
+              <a:rPr lang="en-US" dirty="0" smtClean="0"/>
+              <a:t>1.0a</a:t>
+            </a:r>
+          </a:p>
+          <a:p>
+            <a:pPr lvl="2"/>
+            <a:endParaRPr lang="en-US" dirty="0"/>
+          </a:p>
+          <a:p>
+            <a:r>
+              <a:rPr lang="en-US" dirty="0" smtClean="0"/>
+              <a:t>What should you use?</a:t>
             </a:r>
           </a:p>
           <a:p>
             <a:pPr lvl="1"/>
             <a:r>
-              <a:rPr lang="en-US" dirty="0" smtClean="0"/>
-              <a:t>Google </a:t>
-            </a:r>
-            <a:r>
-              <a:rPr lang="en-US" dirty="0" err="1" smtClean="0"/>
-              <a:t>GData</a:t>
-            </a:r>
-            <a:r>
-              <a:rPr lang="en-US" dirty="0" smtClean="0"/>
-              <a:t> uses 10</a:t>
-            </a:r>
-          </a:p>
-          <a:p>
-            <a:pPr lvl="2"/>
-            <a:r>
-              <a:rPr lang="en-US" dirty="0" smtClean="0"/>
-              <a:t>200 201 304 400 401 403 404 409 410 500</a:t>
+              <a:rPr lang="en-US" dirty="0" err="1"/>
+              <a:t>OAuth</a:t>
+            </a:r>
+            <a:r>
+              <a:rPr lang="en-US" dirty="0"/>
+              <a:t> </a:t>
+            </a:r>
+            <a:r>
+              <a:rPr lang="en-US" dirty="0" smtClean="0"/>
+              <a:t>2.0 (if you are allowed) </a:t>
             </a:r>
           </a:p>
           <a:p>
             <a:pPr lvl="1"/>
             <a:r>
               <a:rPr lang="en-US" dirty="0" smtClean="0"/>
-              <a:t>Netflix uses 9</a:t>
-            </a:r>
-          </a:p>
-          <a:p>
-            <a:pPr lvl="2"/>
-            <a:r>
-              <a:rPr lang="en-US" dirty="0" smtClean="0"/>
-              <a:t>200 201 304 400 401 403 404 412 500</a:t>
-            </a:r>
+              <a:t>Why? Because it’s latest and greatest</a:t>
+            </a:r>
+            <a:endParaRPr lang="en-US" dirty="0"/>
           </a:p>
         </p:txBody>
       </p:sp>
     </p:spTree>
     <p:extLst>
       <p:ext uri="{BB962C8B-B14F-4D97-AF65-F5344CB8AC3E}">
-        <p14:creationId xmlns:p14="http://schemas.microsoft.com/office/powerpoint/2010/main" val="3147872408"/>
+        <p14:creationId xmlns:p14="http://schemas.microsoft.com/office/powerpoint/2010/main" val="651227535"/>
       </p:ext>
     </p:extLst>
   </p:cSld>
@@ -5159,28 +5191,14 @@
           <a:p>
             <a:r>
               <a:rPr lang="en-US" dirty="0" smtClean="0"/>
-              <a:t>What are the very basic possible situations?</a:t>
+              <a:t>The world we live in is not so perfect</a:t>
             </a:r>
           </a:p>
           <a:p>
             <a:pPr lvl="1"/>
             <a:r>
               <a:rPr lang="en-US" dirty="0" smtClean="0"/>
-              <a:t>Everything went smooth (200 - OK)</a:t>
-            </a:r>
-          </a:p>
-          <a:p>
-            <a:pPr lvl="1"/>
-            <a:r>
-              <a:rPr lang="en-US" dirty="0" smtClean="0"/>
-              <a:t>You messed up (400 - Bad Request)</a:t>
-            </a:r>
-          </a:p>
-          <a:p>
-            <a:pPr lvl="1"/>
-            <a:r>
-              <a:rPr lang="en-US" dirty="0" smtClean="0"/>
-              <a:t>Server messed up (500 - Internal Server Error)</a:t>
+              <a:t>There are errors (and exceptions)</a:t>
             </a:r>
           </a:p>
           <a:p>
@@ -5190,41 +5208,414 @@
           <a:p>
             <a:r>
               <a:rPr lang="en-US" dirty="0" smtClean="0"/>
-              <a:t>Ultimately </a:t>
-            </a:r>
-            <a:r>
-              <a:rPr lang="en-US" dirty="0" smtClean="0"/>
-              <a:t>it all boils down to </a:t>
-            </a:r>
-            <a:r>
-              <a:rPr lang="en-US" dirty="0" smtClean="0"/>
-              <a:t>3</a:t>
+              <a:t>How should we act on such times?</a:t>
+            </a:r>
+          </a:p>
+          <a:p>
+            <a:pPr lvl="1"/>
+            <a:r>
+              <a:rPr lang="en-US" dirty="0" smtClean="0"/>
+              <a:t>Handle ‘</a:t>
+            </a:r>
+            <a:r>
+              <a:rPr lang="en-US" dirty="0" err="1" smtClean="0"/>
+              <a:t>em</a:t>
             </a:r>
             <a:endParaRPr lang="en-US" dirty="0" smtClean="0"/>
           </a:p>
           <a:p>
             <a:pPr lvl="1"/>
-            <a:r>
-              <a:rPr lang="en-US" dirty="0" smtClean="0"/>
-              <a:t>Start with these </a:t>
-            </a:r>
-            <a:r>
-              <a:rPr lang="en-US" dirty="0" smtClean="0"/>
-              <a:t>3</a:t>
+            <a:endParaRPr lang="en-US" dirty="0"/>
+          </a:p>
+          <a:p>
+            <a:r>
+              <a:rPr lang="en-US" dirty="0" smtClean="0"/>
+              <a:t>Why it’s important</a:t>
+            </a:r>
+          </a:p>
+          <a:p>
+            <a:pPr lvl="1"/>
+            <a:r>
+              <a:rPr lang="en-US" dirty="0" smtClean="0"/>
+              <a:t>Ensures robustness</a:t>
+            </a:r>
+          </a:p>
+          <a:p>
+            <a:pPr lvl="1"/>
+            <a:r>
+              <a:rPr lang="en-US" dirty="0" smtClean="0"/>
+              <a:t>Easier for developers (API users) to understand what’s going wrong</a:t>
+            </a:r>
+          </a:p>
+        </p:txBody>
+      </p:sp>
+    </p:spTree>
+    <p:extLst>
+      <p:ext uri="{BB962C8B-B14F-4D97-AF65-F5344CB8AC3E}">
+        <p14:creationId xmlns:p14="http://schemas.microsoft.com/office/powerpoint/2010/main" val="3119371958"/>
+      </p:ext>
+    </p:extLst>
+  </p:cSld>
+  <p:clrMapOvr>
+    <a:masterClrMapping/>
+  </p:clrMapOvr>
+</p:sld>
+</file>
+
+<file path=ppt/slides/slide19.xml><?xml version="1.0" encoding="utf-8"?>
+<p:sld xmlns:a="http://schemas.openxmlformats.org/drawingml/2006/main" xmlns:r="http://schemas.openxmlformats.org/officeDocument/2006/relationships" xmlns:p="http://schemas.openxmlformats.org/presentationml/2006/main">
+  <p:cSld>
+    <p:spTree>
+      <p:nvGrpSpPr>
+        <p:cNvPr id="1" name=""/>
+        <p:cNvGrpSpPr/>
+        <p:nvPr/>
+      </p:nvGrpSpPr>
+      <p:grpSpPr>
+        <a:xfrm>
+          <a:off x="0" y="0"/>
+          <a:ext cx="0" cy="0"/>
+          <a:chOff x="0" y="0"/>
+          <a:chExt cx="0" cy="0"/>
+        </a:xfrm>
+      </p:grpSpPr>
+      <p:sp>
+        <p:nvSpPr>
+          <p:cNvPr id="2" name="Title 1"/>
+          <p:cNvSpPr>
+            <a:spLocks noGrp="1"/>
+          </p:cNvSpPr>
+          <p:nvPr>
+            <p:ph type="title"/>
+          </p:nvPr>
+        </p:nvSpPr>
+        <p:spPr/>
+        <p:txBody>
+          <a:bodyPr/>
+          <a:lstStyle/>
+          <a:p>
+            <a:r>
+              <a:rPr lang="en-US" b="1" dirty="0" smtClean="0"/>
+              <a:t>API Designing Good Practices (cont.)</a:t>
+            </a:r>
+            <a:endParaRPr lang="en-US" b="1" dirty="0"/>
+          </a:p>
+        </p:txBody>
+      </p:sp>
+      <p:sp>
+        <p:nvSpPr>
+          <p:cNvPr id="3" name="Content Placeholder 2"/>
+          <p:cNvSpPr>
+            <a:spLocks noGrp="1"/>
+          </p:cNvSpPr>
+          <p:nvPr>
+            <p:ph idx="1"/>
+          </p:nvPr>
+        </p:nvSpPr>
+        <p:spPr/>
+        <p:txBody>
+          <a:bodyPr/>
+          <a:lstStyle/>
+          <a:p>
+            <a:r>
+              <a:rPr lang="en-US" dirty="0" smtClean="0"/>
+              <a:t>How should we do it?</a:t>
+            </a:r>
+          </a:p>
+          <a:p>
+            <a:pPr lvl="1"/>
+            <a:r>
+              <a:rPr lang="en-US" dirty="0" smtClean="0"/>
+              <a:t>HTTP Status </a:t>
+            </a:r>
+            <a:r>
+              <a:rPr lang="en-US" dirty="0" smtClean="0"/>
+              <a:t>Codes e.g.</a:t>
             </a:r>
             <a:endParaRPr lang="en-US" dirty="0" smtClean="0"/>
           </a:p>
           <a:p>
+            <a:pPr lvl="2"/>
+            <a:r>
+              <a:rPr lang="en-US" dirty="0" smtClean="0"/>
+              <a:t>200 OK</a:t>
+            </a:r>
+          </a:p>
+          <a:p>
+            <a:pPr lvl="2"/>
+            <a:r>
+              <a:rPr lang="en-US" dirty="0" smtClean="0"/>
+              <a:t>404 Not Found</a:t>
+            </a:r>
+          </a:p>
+          <a:p>
+            <a:pPr marL="914400" lvl="2" indent="0">
+              <a:buNone/>
+            </a:pPr>
+            <a:endParaRPr lang="en-US" dirty="0" smtClean="0"/>
+          </a:p>
+          <a:p>
+            <a:r>
+              <a:rPr lang="en-US" dirty="0" smtClean="0"/>
+              <a:t>There are about 70 status codes so how many we should use?</a:t>
+            </a:r>
+          </a:p>
+          <a:p>
             <a:pPr lvl="1"/>
             <a:r>
               <a:rPr lang="en-US" dirty="0" smtClean="0"/>
-              <a:t>Don’t go over </a:t>
-            </a:r>
-            <a:r>
-              <a:rPr lang="en-US" dirty="0" smtClean="0"/>
-              <a:t>8</a:t>
-            </a:r>
-            <a:endParaRPr lang="en-US" dirty="0" smtClean="0"/>
+              <a:t>Google </a:t>
+            </a:r>
+            <a:r>
+              <a:rPr lang="en-US" dirty="0" err="1" smtClean="0"/>
+              <a:t>GData</a:t>
+            </a:r>
+            <a:r>
+              <a:rPr lang="en-US" dirty="0" smtClean="0"/>
+              <a:t> uses 10</a:t>
+            </a:r>
+          </a:p>
+          <a:p>
+            <a:pPr lvl="2"/>
+            <a:r>
+              <a:rPr lang="en-US" dirty="0" smtClean="0"/>
+              <a:t>200 201 304 400 401 403 404 409 410 500</a:t>
+            </a:r>
+          </a:p>
+          <a:p>
+            <a:pPr lvl="1"/>
+            <a:r>
+              <a:rPr lang="en-US" dirty="0" smtClean="0"/>
+              <a:t>Netflix uses 9</a:t>
+            </a:r>
+          </a:p>
+          <a:p>
+            <a:pPr lvl="2"/>
+            <a:r>
+              <a:rPr lang="en-US" dirty="0" smtClean="0"/>
+              <a:t>200 201 304 400 401 403 404 412 500</a:t>
+            </a:r>
+          </a:p>
+        </p:txBody>
+      </p:sp>
+    </p:spTree>
+    <p:extLst>
+      <p:ext uri="{BB962C8B-B14F-4D97-AF65-F5344CB8AC3E}">
+        <p14:creationId xmlns:p14="http://schemas.microsoft.com/office/powerpoint/2010/main" val="3147872408"/>
+      </p:ext>
+    </p:extLst>
+  </p:cSld>
+  <p:clrMapOvr>
+    <a:masterClrMapping/>
+  </p:clrMapOvr>
+</p:sld>
+</file>
+
+<file path=ppt/slides/slide2.xml><?xml version="1.0" encoding="utf-8"?>
+<p:sld xmlns:a="http://schemas.openxmlformats.org/drawingml/2006/main" xmlns:r="http://schemas.openxmlformats.org/officeDocument/2006/relationships" xmlns:p="http://schemas.openxmlformats.org/presentationml/2006/main">
+  <p:cSld>
+    <p:spTree>
+      <p:nvGrpSpPr>
+        <p:cNvPr id="1" name=""/>
+        <p:cNvGrpSpPr/>
+        <p:nvPr/>
+      </p:nvGrpSpPr>
+      <p:grpSpPr>
+        <a:xfrm>
+          <a:off x="0" y="0"/>
+          <a:ext cx="0" cy="0"/>
+          <a:chOff x="0" y="0"/>
+          <a:chExt cx="0" cy="0"/>
+        </a:xfrm>
+      </p:grpSpPr>
+      <p:sp>
+        <p:nvSpPr>
+          <p:cNvPr id="2" name="Title 1"/>
+          <p:cNvSpPr>
+            <a:spLocks noGrp="1"/>
+          </p:cNvSpPr>
+          <p:nvPr>
+            <p:ph type="title"/>
+          </p:nvPr>
+        </p:nvSpPr>
+        <p:spPr/>
+        <p:txBody>
+          <a:bodyPr/>
+          <a:lstStyle/>
+          <a:p>
+            <a:r>
+              <a:rPr lang="en-US" b="1" dirty="0" smtClean="0"/>
+              <a:t>Outline</a:t>
+            </a:r>
+            <a:endParaRPr lang="en-US" b="1" dirty="0"/>
+          </a:p>
+        </p:txBody>
+      </p:sp>
+      <p:sp>
+        <p:nvSpPr>
+          <p:cNvPr id="3" name="Content Placeholder 2"/>
+          <p:cNvSpPr>
+            <a:spLocks noGrp="1"/>
+          </p:cNvSpPr>
+          <p:nvPr>
+            <p:ph idx="1"/>
+          </p:nvPr>
+        </p:nvSpPr>
+        <p:spPr/>
+        <p:txBody>
+          <a:bodyPr/>
+          <a:lstStyle/>
+          <a:p>
+            <a:r>
+              <a:rPr lang="en-US" dirty="0" smtClean="0"/>
+              <a:t>Intro to Webservice</a:t>
+            </a:r>
+          </a:p>
+          <a:p>
+            <a:r>
+              <a:rPr lang="en-US" dirty="0" smtClean="0"/>
+              <a:t>What is REST</a:t>
+            </a:r>
+          </a:p>
+          <a:p>
+            <a:r>
+              <a:rPr lang="en-US" dirty="0" smtClean="0"/>
+              <a:t>API Designing Good Practices</a:t>
+            </a:r>
+          </a:p>
+          <a:p>
+            <a:r>
+              <a:rPr lang="en-US" dirty="0" smtClean="0"/>
+              <a:t>A Simple </a:t>
+            </a:r>
+            <a:r>
+              <a:rPr lang="en-US" dirty="0" err="1" smtClean="0"/>
+              <a:t>RESTful</a:t>
+            </a:r>
+            <a:r>
+              <a:rPr lang="en-US" dirty="0" smtClean="0"/>
+              <a:t> Webservice using Spring</a:t>
+            </a:r>
+          </a:p>
+        </p:txBody>
+      </p:sp>
+    </p:spTree>
+    <p:extLst>
+      <p:ext uri="{BB962C8B-B14F-4D97-AF65-F5344CB8AC3E}">
+        <p14:creationId xmlns:p14="http://schemas.microsoft.com/office/powerpoint/2010/main" val="1898557989"/>
+      </p:ext>
+    </p:extLst>
+  </p:cSld>
+  <p:clrMapOvr>
+    <a:masterClrMapping/>
+  </p:clrMapOvr>
+</p:sld>
+</file>
+
+<file path=ppt/slides/slide20.xml><?xml version="1.0" encoding="utf-8"?>
+<p:sld xmlns:a="http://schemas.openxmlformats.org/drawingml/2006/main" xmlns:r="http://schemas.openxmlformats.org/officeDocument/2006/relationships" xmlns:p="http://schemas.openxmlformats.org/presentationml/2006/main">
+  <p:cSld>
+    <p:spTree>
+      <p:nvGrpSpPr>
+        <p:cNvPr id="1" name=""/>
+        <p:cNvGrpSpPr/>
+        <p:nvPr/>
+      </p:nvGrpSpPr>
+      <p:grpSpPr>
+        <a:xfrm>
+          <a:off x="0" y="0"/>
+          <a:ext cx="0" cy="0"/>
+          <a:chOff x="0" y="0"/>
+          <a:chExt cx="0" cy="0"/>
+        </a:xfrm>
+      </p:grpSpPr>
+      <p:sp>
+        <p:nvSpPr>
+          <p:cNvPr id="2" name="Title 1"/>
+          <p:cNvSpPr>
+            <a:spLocks noGrp="1"/>
+          </p:cNvSpPr>
+          <p:nvPr>
+            <p:ph type="title"/>
+          </p:nvPr>
+        </p:nvSpPr>
+        <p:spPr/>
+        <p:txBody>
+          <a:bodyPr/>
+          <a:lstStyle/>
+          <a:p>
+            <a:r>
+              <a:rPr lang="en-US" b="1" dirty="0" smtClean="0"/>
+              <a:t>API Designing Good Practices (cont.)</a:t>
+            </a:r>
+            <a:endParaRPr lang="en-US" b="1" dirty="0"/>
+          </a:p>
+        </p:txBody>
+      </p:sp>
+      <p:sp>
+        <p:nvSpPr>
+          <p:cNvPr id="3" name="Content Placeholder 2"/>
+          <p:cNvSpPr>
+            <a:spLocks noGrp="1"/>
+          </p:cNvSpPr>
+          <p:nvPr>
+            <p:ph idx="1"/>
+          </p:nvPr>
+        </p:nvSpPr>
+        <p:spPr/>
+        <p:txBody>
+          <a:bodyPr/>
+          <a:lstStyle/>
+          <a:p>
+            <a:r>
+              <a:rPr lang="en-US" dirty="0" smtClean="0"/>
+              <a:t>What are the very basic possible situations?</a:t>
+            </a:r>
+          </a:p>
+          <a:p>
+            <a:pPr lvl="1"/>
+            <a:r>
+              <a:rPr lang="en-US" dirty="0" smtClean="0"/>
+              <a:t>Everything went smooth (200 - OK)</a:t>
+            </a:r>
+          </a:p>
+          <a:p>
+            <a:pPr lvl="1"/>
+            <a:r>
+              <a:rPr lang="en-US" dirty="0" smtClean="0"/>
+              <a:t>You messed up (400 - Bad Request)</a:t>
+            </a:r>
+          </a:p>
+          <a:p>
+            <a:pPr lvl="1"/>
+            <a:r>
+              <a:rPr lang="en-US" dirty="0" smtClean="0"/>
+              <a:t>Server messed up (500 - Internal Server Error)</a:t>
+            </a:r>
+          </a:p>
+          <a:p>
+            <a:pPr lvl="1"/>
+            <a:endParaRPr lang="en-US" dirty="0"/>
+          </a:p>
+          <a:p>
+            <a:r>
+              <a:rPr lang="en-US" dirty="0" smtClean="0"/>
+              <a:t>Ultimately it all boils down to 3</a:t>
+            </a:r>
+          </a:p>
+          <a:p>
+            <a:pPr lvl="1"/>
+            <a:r>
+              <a:rPr lang="en-US" dirty="0" smtClean="0"/>
+              <a:t>Start with these 3</a:t>
+            </a:r>
+          </a:p>
+          <a:p>
+            <a:pPr lvl="1"/>
+            <a:r>
+              <a:rPr lang="en-US" dirty="0" smtClean="0"/>
+              <a:t>Don’t go over 8</a:t>
+            </a:r>
           </a:p>
           <a:p>
             <a:pPr lvl="1"/>
@@ -5245,7 +5636,7 @@
 </p:sld>
 </file>
 
-<file path=ppt/slides/slide19.xml><?xml version="1.0" encoding="utf-8"?>
+<file path=ppt/slides/slide21.xml><?xml version="1.0" encoding="utf-8"?>
 <p:sld xmlns:a="http://schemas.openxmlformats.org/drawingml/2006/main" xmlns:r="http://schemas.openxmlformats.org/officeDocument/2006/relationships" xmlns:p="http://schemas.openxmlformats.org/presentationml/2006/main">
   <p:cSld>
     <p:spTree>
@@ -5322,108 +5713,7 @@
 </p:sld>
 </file>
 
-<file path=ppt/slides/slide2.xml><?xml version="1.0" encoding="utf-8"?>
-<p:sld xmlns:a="http://schemas.openxmlformats.org/drawingml/2006/main" xmlns:r="http://schemas.openxmlformats.org/officeDocument/2006/relationships" xmlns:p="http://schemas.openxmlformats.org/presentationml/2006/main">
-  <p:cSld>
-    <p:spTree>
-      <p:nvGrpSpPr>
-        <p:cNvPr id="1" name=""/>
-        <p:cNvGrpSpPr/>
-        <p:nvPr/>
-      </p:nvGrpSpPr>
-      <p:grpSpPr>
-        <a:xfrm>
-          <a:off x="0" y="0"/>
-          <a:ext cx="0" cy="0"/>
-          <a:chOff x="0" y="0"/>
-          <a:chExt cx="0" cy="0"/>
-        </a:xfrm>
-      </p:grpSpPr>
-      <p:sp>
-        <p:nvSpPr>
-          <p:cNvPr id="2" name="Title 1"/>
-          <p:cNvSpPr>
-            <a:spLocks noGrp="1"/>
-          </p:cNvSpPr>
-          <p:nvPr>
-            <p:ph type="title"/>
-          </p:nvPr>
-        </p:nvSpPr>
-        <p:spPr/>
-        <p:txBody>
-          <a:bodyPr/>
-          <a:lstStyle/>
-          <a:p>
-            <a:r>
-              <a:rPr lang="en-US" b="1" dirty="0" smtClean="0"/>
-              <a:t>Outline</a:t>
-            </a:r>
-            <a:endParaRPr lang="en-US" b="1" dirty="0"/>
-          </a:p>
-        </p:txBody>
-      </p:sp>
-      <p:sp>
-        <p:nvSpPr>
-          <p:cNvPr id="3" name="Content Placeholder 2"/>
-          <p:cNvSpPr>
-            <a:spLocks noGrp="1"/>
-          </p:cNvSpPr>
-          <p:nvPr>
-            <p:ph idx="1"/>
-          </p:nvPr>
-        </p:nvSpPr>
-        <p:spPr/>
-        <p:txBody>
-          <a:bodyPr/>
-          <a:lstStyle/>
-          <a:p>
-            <a:r>
-              <a:rPr lang="en-US" dirty="0" smtClean="0"/>
-              <a:t>Intro to Webservice</a:t>
-            </a:r>
-          </a:p>
-          <a:p>
-            <a:r>
-              <a:rPr lang="en-US" dirty="0" smtClean="0"/>
-              <a:t>What is REST</a:t>
-            </a:r>
-          </a:p>
-          <a:p>
-            <a:r>
-              <a:rPr lang="en-US" dirty="0" smtClean="0"/>
-              <a:t>API Designing Good Practices</a:t>
-            </a:r>
-          </a:p>
-          <a:p>
-            <a:r>
-              <a:rPr lang="en-US" dirty="0" smtClean="0"/>
-              <a:t>A Simple </a:t>
-            </a:r>
-            <a:r>
-              <a:rPr lang="en-US" dirty="0" err="1" smtClean="0"/>
-              <a:t>RESTful</a:t>
-            </a:r>
-            <a:r>
-              <a:rPr lang="en-US" dirty="0" smtClean="0"/>
-              <a:t> Webservice using Spring</a:t>
-            </a:r>
-          </a:p>
-        </p:txBody>
-      </p:sp>
-    </p:spTree>
-    <p:extLst>
-      <p:ext uri="{BB962C8B-B14F-4D97-AF65-F5344CB8AC3E}">
-        <p14:creationId xmlns:p14="http://schemas.microsoft.com/office/powerpoint/2010/main" val="1898557989"/>
-      </p:ext>
-    </p:extLst>
-  </p:cSld>
-  <p:clrMapOvr>
-    <a:masterClrMapping/>
-  </p:clrMapOvr>
-</p:sld>
-</file>
-
-<file path=ppt/slides/slide20.xml><?xml version="1.0" encoding="utf-8"?>
+<file path=ppt/slides/slide22.xml><?xml version="1.0" encoding="utf-8"?>
 <p:sld xmlns:a="http://schemas.openxmlformats.org/drawingml/2006/main" xmlns:r="http://schemas.openxmlformats.org/officeDocument/2006/relationships" xmlns:p="http://schemas.openxmlformats.org/presentationml/2006/main">
   <p:cSld>
     <p:spTree>
@@ -5920,7 +6210,7 @@
 </p:sld>
 </file>
 
-<file path=ppt/slides/slide21.xml><?xml version="1.0" encoding="utf-8"?>
+<file path=ppt/slides/slide23.xml><?xml version="1.0" encoding="utf-8"?>
 <p:sld xmlns:a="http://schemas.openxmlformats.org/drawingml/2006/main" xmlns:r="http://schemas.openxmlformats.org/officeDocument/2006/relationships" xmlns:p="http://schemas.openxmlformats.org/presentationml/2006/main">
   <p:cSld>
     <p:spTree>
@@ -5972,7 +6262,9 @@
         </p:nvSpPr>
         <p:spPr/>
         <p:txBody>
-          <a:bodyPr/>
+          <a:bodyPr>
+            <a:normAutofit fontScale="55000" lnSpcReduction="20000"/>
+          </a:bodyPr>
           <a:lstStyle/>
           <a:p>
             <a:r>
@@ -6016,8 +6308,110 @@
               <a:rPr lang="en-US" dirty="0" smtClean="0">
                 <a:hlinkClick r:id="rId3"/>
               </a:rPr>
-              <a:t>http://spring.io/understanding/REST</a:t>
-            </a:r>
+              <a:t>http://</a:t>
+            </a:r>
+            <a:r>
+              <a:rPr lang="en-US" dirty="0" smtClean="0">
+                <a:hlinkClick r:id="rId3"/>
+              </a:rPr>
+              <a:t>spring.io/understanding/REST</a:t>
+            </a:r>
+            <a:endParaRPr lang="en-US" dirty="0" smtClean="0"/>
+          </a:p>
+          <a:p>
+            <a:pPr marL="0" indent="0">
+              <a:buNone/>
+            </a:pPr>
+            <a:endParaRPr lang="en-US" dirty="0"/>
+          </a:p>
+          <a:p>
+            <a:r>
+              <a:rPr lang="en-US" dirty="0" smtClean="0"/>
+              <a:t>Exception Handling in Spring MVC</a:t>
+            </a:r>
+          </a:p>
+          <a:p>
+            <a:pPr marL="0" indent="0">
+              <a:buNone/>
+            </a:pPr>
+            <a:r>
+              <a:rPr lang="en-US" dirty="0">
+                <a:hlinkClick r:id="rId4"/>
+              </a:rPr>
+              <a:t>http://</a:t>
+            </a:r>
+            <a:r>
+              <a:rPr lang="en-US" dirty="0" smtClean="0">
+                <a:hlinkClick r:id="rId4"/>
+              </a:rPr>
+              <a:t>spring.io/blog/2013/11/01/exception-handling-in-spring-mvc</a:t>
+            </a:r>
+            <a:endParaRPr lang="en-US" dirty="0" smtClean="0"/>
+          </a:p>
+          <a:p>
+            <a:pPr marL="0" indent="0">
+              <a:buNone/>
+            </a:pPr>
+            <a:endParaRPr lang="en-US" dirty="0" smtClean="0"/>
+          </a:p>
+          <a:p>
+            <a:r>
+              <a:rPr lang="en-US" dirty="0" smtClean="0"/>
+              <a:t>Improve Your Spring REST API</a:t>
+            </a:r>
+          </a:p>
+          <a:p>
+            <a:pPr marL="0" indent="0">
+              <a:buNone/>
+            </a:pPr>
+            <a:r>
+              <a:rPr lang="en-US" dirty="0">
+                <a:hlinkClick r:id="rId5"/>
+              </a:rPr>
+              <a:t>http://www.jayway.com/2013/02/03/improve-your-spring-rest-api-part-iii</a:t>
+            </a:r>
+            <a:r>
+              <a:rPr lang="en-US" dirty="0" smtClean="0">
+                <a:hlinkClick r:id="rId5"/>
+              </a:rPr>
+              <a:t>/</a:t>
+            </a:r>
+            <a:endParaRPr lang="en-US" dirty="0" smtClean="0"/>
+          </a:p>
+          <a:p>
+            <a:pPr marL="0" indent="0">
+              <a:buNone/>
+            </a:pPr>
+            <a:endParaRPr lang="en-US" dirty="0"/>
+          </a:p>
+          <a:p>
+            <a:r>
+              <a:rPr lang="en-US" dirty="0" smtClean="0"/>
+              <a:t>Materials used in this session</a:t>
+            </a:r>
+          </a:p>
+          <a:p>
+            <a:pPr marL="0" indent="0">
+              <a:buNone/>
+            </a:pPr>
+            <a:r>
+              <a:rPr lang="en-US" dirty="0">
+                <a:hlinkClick r:id="rId6"/>
+              </a:rPr>
+              <a:t>https://</a:t>
+            </a:r>
+            <a:r>
+              <a:rPr lang="en-US" dirty="0" smtClean="0">
+                <a:hlinkClick r:id="rId6"/>
+              </a:rPr>
+              <a:t>github.com/mushfek0001/javafest-webservice-webiner</a:t>
+            </a:r>
+            <a:endParaRPr lang="en-US" dirty="0" smtClean="0"/>
+          </a:p>
+          <a:p>
+            <a:pPr marL="0" indent="0">
+              <a:buNone/>
+            </a:pPr>
             <a:endParaRPr lang="en-US" dirty="0" smtClean="0"/>
           </a:p>
           <a:p>
@@ -6229,8 +6623,9 @@
           <a:p>
             <a:r>
               <a:rPr lang="en-US" dirty="0" smtClean="0"/>
-              <a:t>The whole scene</a:t>
-            </a:r>
+              <a:t>Building blocks</a:t>
+            </a:r>
+            <a:endParaRPr lang="en-US" dirty="0" smtClean="0"/>
           </a:p>
           <a:p>
             <a:pPr lvl="1"/>
@@ -6250,8 +6645,9 @@
             <a:pPr lvl="1"/>
             <a:r>
               <a:rPr lang="en-US" dirty="0" smtClean="0"/>
-              <a:t>HTTP</a:t>
-            </a:r>
+              <a:t>Transfer protocol (e.g. HTTP)</a:t>
+            </a:r>
+            <a:endParaRPr lang="en-US" dirty="0" smtClean="0"/>
           </a:p>
           <a:p>
             <a:pPr lvl="1"/>
@@ -7228,7 +7624,15 @@
             <a:pPr lvl="2"/>
             <a:r>
               <a:rPr lang="en-US" dirty="0" smtClean="0"/>
-              <a:t>This is how ‘cool kids’ do it nowadays!</a:t>
+              <a:t>This is how </a:t>
+            </a:r>
+            <a:r>
+              <a:rPr lang="en-US" dirty="0" smtClean="0"/>
+              <a:t>the ‘cool </a:t>
+            </a:r>
+            <a:r>
+              <a:rPr lang="en-US" dirty="0" smtClean="0"/>
+              <a:t>kids’ do it nowadays!</a:t>
             </a:r>
           </a:p>
           <a:p>
@@ -7454,14 +7858,14 @@
               <a:t>Yep, remember </a:t>
             </a:r>
             <a:r>
-              <a:rPr lang="en-US" i="1" dirty="0"/>
+              <a:rPr lang="en-US" b="1" i="1" dirty="0"/>
               <a:t>i</a:t>
             </a:r>
             <a:r>
-              <a:rPr lang="en-US" i="1" dirty="0" smtClean="0"/>
+              <a:rPr lang="en-US" b="1" i="1" dirty="0" smtClean="0"/>
               <a:t>t’s just an architectural STYLE</a:t>
             </a:r>
-            <a:endParaRPr lang="en-US" dirty="0" smtClean="0"/>
+            <a:endParaRPr lang="en-US" b="1" dirty="0" smtClean="0"/>
           </a:p>
         </p:txBody>
       </p:sp>
